--- a/SE357-Requirement engineering/Slides/Thực hành/Requirement engineering - UML Diagram.pptx
+++ b/SE357-Requirement engineering/Slides/Thực hành/Requirement engineering - UML Diagram.pptx
@@ -156,398 +156,6 @@
           <inkml:channelProperty channel="F" name="resolution" value="0" units="1/dev"/>
         </inkml:channelProperties>
       </inkml:inkSource>
-      <inkml:timestamp xml:id="ts0" timeString="2022-09-27T01:03:54.271"/>
-    </inkml:context>
-    <inkml:brush xml:id="br0">
-      <inkml:brushProperty name="width" value="0.05" units="cm"/>
-      <inkml:brushProperty name="height" value="0.05" units="cm"/>
-      <inkml:brushProperty name="color" value="#E71224"/>
-    </inkml:brush>
-  </inkml:definitions>
-  <inkml:trace contextRef="#ctx0" brushRef="#br0">417 1292 24575,'1029'0'0,"-964"3"0,0 4 0,91 20 0,-84-13 0,118 9 0,-23-22 0,-76-1 0,135 14 0,-61 2 0,250-7 0,-281-10 0,-87 3 0,79 14 0,23 2 0,550-14 0,-359-7 0,1069 3 0,-1145 20 0,-21 0 0,820-19 0,-509-3 0,-302 19 0,-56-1 0,474 26 0,-238-42 0,30 2 0,-244 15 0,62 3 0,475-19 0,-352-3 0,-370 4 0,-1 1 0,44 10 0,34 4 0,251-12 0,-215-7 0,153 17 0,-12 7 0,309-18 0,-295-7 0,3071 3 0,-3319-3 0,72-11 0,14-3 0,27 11 0,99-8 0,406-9 0,-424 4 0,-1 0 0,512 21 0,-699-6 0,0-1 0,102-25 0,-98 16 0,0 3 0,68-2 0,353 12 0,-221 3 0,-220-4 0,-1-2 0,82-17 0,80-33 0,-189 49 0,35-11 0,-1-2 0,-1-2 0,49-28 0,-91 44 0,0 1 0,-1-1 0,1 0 0,-1 0 0,0-1 0,0 1 0,-1-1 0,1 0 0,-1 0 0,0-1 0,0 1 0,-1-1 0,0 0 0,0 0 0,4-12 0,-5 9 0,0-1 0,0 0 0,-1 0 0,0 1 0,-1-1 0,0 0 0,-1 0 0,0 0 0,-4-16 0,-3-2 0,-1 1 0,-1 1 0,-1-1 0,-1 2 0,-2 0 0,-24-34 0,17 29 0,-3 2 0,0 0 0,-2 2 0,0 0 0,-48-33 0,34 34 0,-53-25 0,17 10 0,46 26 0,-1 1 0,-1 1 0,0 2 0,-1 2 0,-59-9 0,-35-9 0,-6-9 0,-1 6 0,-2 6 0,-205-10 0,-37 16 0,-22-1 0,87-1 0,13 1 0,-49 18 0,-68-2 0,228-16 0,10 1 0,-43-3 0,-44-1 0,-232 22 0,-128-2 0,234-37 0,-29-1 0,375 38 0,-308-11 0,-835-13 0,800 28 0,-4510-3 0,4358-25 0,371 14 0,-38-3 0,-378-14 0,-2433 30 0,2765 19 0,111-4 0,-345 61 0,213-26 0,185-42 0,-129 0 0,-27 1 0,58 22 0,27-2 0,-26-5 0,-346 95 0,414-91 0,82-23 0,0 2 0,-56 22 0,58-18 0,0-2 0,0-2 0,-1-1 0,-39 3 0,27-4 0,-71 20 0,-62 18 0,-35 11 0,180-44 0,12-4 0,0 1 0,-45 23 0,63-29 0,0 1 0,0 0 0,1 0 0,-1 1 0,1-1 0,0 1 0,0 1 0,1-1 0,0 0 0,0 1 0,0 0 0,0 0 0,1 0 0,0 1 0,-4 9 0,5-7-105,0-1 0,0 1 0,1 0 0,0-1 0,0 1 0,1 0 0,0-1 0,0 1 0,1 0 0,1 0 0,-1-1 0,4 10 0,11 25-6721</inkml:trace>
-</inkml:ink>
-</file>
-
-<file path=ppt/ink/ink10.xml><?xml version="1.0" encoding="utf-8"?>
-<inkml:ink xmlns:inkml="http://www.w3.org/2003/InkML">
-  <inkml:definitions>
-    <inkml:context xml:id="ctx0">
-      <inkml:inkSource xml:id="inkSrc0">
-        <inkml:traceFormat>
-          <inkml:channel name="X" type="integer" min="-2.14748E9" max="2.14748E9" units="cm"/>
-          <inkml:channel name="Y" type="integer" min="-2.14748E9" max="2.14748E9" units="cm"/>
-          <inkml:channel name="F" type="integer" max="32767" units="dev"/>
-        </inkml:traceFormat>
-        <inkml:channelProperties>
-          <inkml:channelProperty channel="X" name="resolution" value="1000" units="1/cm"/>
-          <inkml:channelProperty channel="Y" name="resolution" value="1000" units="1/cm"/>
-          <inkml:channelProperty channel="F" name="resolution" value="0" units="1/dev"/>
-        </inkml:channelProperties>
-      </inkml:inkSource>
-      <inkml:timestamp xml:id="ts0" timeString="2022-09-27T01:03:57.928"/>
-    </inkml:context>
-    <inkml:brush xml:id="br0">
-      <inkml:brushProperty name="width" value="0.05" units="cm"/>
-      <inkml:brushProperty name="height" value="0.05" units="cm"/>
-      <inkml:brushProperty name="color" value="#E71224"/>
-    </inkml:brush>
-  </inkml:definitions>
-  <inkml:trace contextRef="#ctx0" brushRef="#br0">1 1 24575,'0'0'-8191</inkml:trace>
-</inkml:ink>
-</file>
-
-<file path=ppt/ink/ink11.xml><?xml version="1.0" encoding="utf-8"?>
-<inkml:ink xmlns:inkml="http://www.w3.org/2003/InkML">
-  <inkml:definitions>
-    <inkml:context xml:id="ctx0">
-      <inkml:inkSource xml:id="inkSrc0">
-        <inkml:traceFormat>
-          <inkml:channel name="X" type="integer" min="-2.14748E9" max="2.14748E9" units="cm"/>
-          <inkml:channel name="Y" type="integer" min="-2.14748E9" max="2.14748E9" units="cm"/>
-          <inkml:channel name="F" type="integer" max="32767" units="dev"/>
-        </inkml:traceFormat>
-        <inkml:channelProperties>
-          <inkml:channelProperty channel="X" name="resolution" value="1000" units="1/cm"/>
-          <inkml:channelProperty channel="Y" name="resolution" value="1000" units="1/cm"/>
-          <inkml:channelProperty channel="F" name="resolution" value="0" units="1/dev"/>
-        </inkml:channelProperties>
-      </inkml:inkSource>
-      <inkml:timestamp xml:id="ts0" timeString="2022-09-27T01:04:33.370"/>
-    </inkml:context>
-    <inkml:brush xml:id="br0">
-      <inkml:brushProperty name="width" value="0.05" units="cm"/>
-      <inkml:brushProperty name="height" value="0.05" units="cm"/>
-      <inkml:brushProperty name="color" value="#E71224"/>
-    </inkml:brush>
-  </inkml:definitions>
-  <inkml:trace contextRef="#ctx0" brushRef="#br0">1 0 24575,'0'7'0,"0"8"0,0 8 0,0 7 0,0 17 0,0 20 0,0 12 0,0-1 0,0 5 0,0-5 0,0-9 0,0-3 0,0-1 0,6-4 0,3 0 0,-1-4 0,-1-11-8191</inkml:trace>
-</inkml:ink>
-</file>
-
-<file path=ppt/ink/ink12.xml><?xml version="1.0" encoding="utf-8"?>
-<inkml:ink xmlns:inkml="http://www.w3.org/2003/InkML">
-  <inkml:definitions>
-    <inkml:context xml:id="ctx0">
-      <inkml:inkSource xml:id="inkSrc0">
-        <inkml:traceFormat>
-          <inkml:channel name="X" type="integer" min="-2.14748E9" max="2.14748E9" units="cm"/>
-          <inkml:channel name="Y" type="integer" min="-2.14748E9" max="2.14748E9" units="cm"/>
-          <inkml:channel name="F" type="integer" max="32767" units="dev"/>
-        </inkml:traceFormat>
-        <inkml:channelProperties>
-          <inkml:channelProperty channel="X" name="resolution" value="1000" units="1/cm"/>
-          <inkml:channelProperty channel="Y" name="resolution" value="1000" units="1/cm"/>
-          <inkml:channelProperty channel="F" name="resolution" value="0" units="1/dev"/>
-        </inkml:channelProperties>
-      </inkml:inkSource>
-      <inkml:timestamp xml:id="ts0" timeString="2022-09-27T01:04:33.802"/>
-    </inkml:context>
-    <inkml:brush xml:id="br0">
-      <inkml:brushProperty name="width" value="0.05" units="cm"/>
-      <inkml:brushProperty name="height" value="0.05" units="cm"/>
-      <inkml:brushProperty name="color" value="#E71224"/>
-    </inkml:brush>
-  </inkml:definitions>
-  <inkml:trace contextRef="#ctx0" brushRef="#br0">0 78 24575,'7'0'0,"8"-6"0,8-3 0,13 1 0,7 1 0,22-4 0,6-1 0,4 3 0,-4 2 0,-8 2 0,-8 3 0,-7 0 0,-5 2 0,-10 0-8191</inkml:trace>
-</inkml:ink>
-</file>
-
-<file path=ppt/ink/ink13.xml><?xml version="1.0" encoding="utf-8"?>
-<inkml:ink xmlns:inkml="http://www.w3.org/2003/InkML">
-  <inkml:definitions>
-    <inkml:context xml:id="ctx0">
-      <inkml:inkSource xml:id="inkSrc0">
-        <inkml:traceFormat>
-          <inkml:channel name="X" type="integer" min="-2.14748E9" max="2.14748E9" units="cm"/>
-          <inkml:channel name="Y" type="integer" min="-2.14748E9" max="2.14748E9" units="cm"/>
-          <inkml:channel name="F" type="integer" max="32767" units="dev"/>
-        </inkml:traceFormat>
-        <inkml:channelProperties>
-          <inkml:channelProperty channel="X" name="resolution" value="1000" units="1/cm"/>
-          <inkml:channelProperty channel="Y" name="resolution" value="1000" units="1/cm"/>
-          <inkml:channelProperty channel="F" name="resolution" value="0" units="1/dev"/>
-        </inkml:channelProperties>
-      </inkml:inkSource>
-      <inkml:timestamp xml:id="ts0" timeString="2022-09-27T01:04:34.288"/>
-    </inkml:context>
-    <inkml:brush xml:id="br0">
-      <inkml:brushProperty name="width" value="0.05" units="cm"/>
-      <inkml:brushProperty name="height" value="0.05" units="cm"/>
-      <inkml:brushProperty name="color" value="#E71224"/>
-    </inkml:brush>
-  </inkml:definitions>
-  <inkml:trace contextRef="#ctx0" brushRef="#br0">0 1 24575,'0'6'0,"13"3"0,17-1 0,16-1 0,13-2 0,4-2 0,-3-2 0,1 0 0,-3-1 0,-5 0 0,-6 6 0,-9 8 0,-13 9 0,-9 0-8191</inkml:trace>
-</inkml:ink>
-</file>
-
-<file path=ppt/ink/ink14.xml><?xml version="1.0" encoding="utf-8"?>
-<inkml:ink xmlns:inkml="http://www.w3.org/2003/InkML">
-  <inkml:definitions>
-    <inkml:context xml:id="ctx0">
-      <inkml:inkSource xml:id="inkSrc0">
-        <inkml:traceFormat>
-          <inkml:channel name="X" type="integer" min="-2.14748E9" max="2.14748E9" units="cm"/>
-          <inkml:channel name="Y" type="integer" min="-2.14748E9" max="2.14748E9" units="cm"/>
-          <inkml:channel name="F" type="integer" max="32767" units="dev"/>
-        </inkml:traceFormat>
-        <inkml:channelProperties>
-          <inkml:channelProperty channel="X" name="resolution" value="1000" units="1/cm"/>
-          <inkml:channelProperty channel="Y" name="resolution" value="1000" units="1/cm"/>
-          <inkml:channelProperty channel="F" name="resolution" value="0" units="1/dev"/>
-        </inkml:channelProperties>
-      </inkml:inkSource>
-      <inkml:timestamp xml:id="ts0" timeString="2022-09-27T01:04:34.651"/>
-    </inkml:context>
-    <inkml:brush xml:id="br0">
-      <inkml:brushProperty name="width" value="0.05" units="cm"/>
-      <inkml:brushProperty name="height" value="0.05" units="cm"/>
-      <inkml:brushProperty name="color" value="#E71224"/>
-    </inkml:brush>
-  </inkml:definitions>
-  <inkml:trace contextRef="#ctx0" brushRef="#br0">0 1 24575,'7'0'0,"21"0"0,25 0 0,17 0 0,9 0 0,4 0 0,1 0 0,-7 0 0,-11 0 0,-10 0 0,-7 0 0,-13 0-8191</inkml:trace>
-</inkml:ink>
-</file>
-
-<file path=ppt/ink/ink15.xml><?xml version="1.0" encoding="utf-8"?>
-<inkml:ink xmlns:inkml="http://www.w3.org/2003/InkML">
-  <inkml:definitions>
-    <inkml:context xml:id="ctx0">
-      <inkml:inkSource xml:id="inkSrc0">
-        <inkml:traceFormat>
-          <inkml:channel name="X" type="integer" min="-2.14748E9" max="2.14748E9" units="cm"/>
-          <inkml:channel name="Y" type="integer" min="-2.14748E9" max="2.14748E9" units="cm"/>
-          <inkml:channel name="F" type="integer" max="32767" units="dev"/>
-        </inkml:traceFormat>
-        <inkml:channelProperties>
-          <inkml:channelProperty channel="X" name="resolution" value="1000" units="1/cm"/>
-          <inkml:channelProperty channel="Y" name="resolution" value="1000" units="1/cm"/>
-          <inkml:channelProperty channel="F" name="resolution" value="0" units="1/dev"/>
-        </inkml:channelProperties>
-      </inkml:inkSource>
-      <inkml:timestamp xml:id="ts0" timeString="2022-09-27T01:04:36.274"/>
-    </inkml:context>
-    <inkml:brush xml:id="br0">
-      <inkml:brushProperty name="width" value="0.05" units="cm"/>
-      <inkml:brushProperty name="height" value="0.05" units="cm"/>
-      <inkml:brushProperty name="color" value="#E71224"/>
-    </inkml:brush>
-  </inkml:definitions>
-  <inkml:trace contextRef="#ctx0" brushRef="#br0">1 36 24575,'0'519'0,"2"-505"0,3-12 0,10-22 0,15-43 0,46-166 0,-75 225 0,1 1 0,-1-1 0,1 1 0,0-1 0,0 1 0,0 0 0,0-1 0,1 1 0,-1 1 0,1-1 0,0 0 0,0 0 0,0 1 0,0 0 0,0 0 0,0-1 0,5-1 0,-5 4 0,0-1 0,0 1 0,0 0 0,0-1 0,0 1 0,0 0 0,0 1 0,0-1 0,0 1 0,0-1 0,0 1 0,0 0 0,0 0 0,-1 0 0,1 0 0,0 1 0,-1-1 0,1 1 0,0-1 0,-1 1 0,0 0 0,4 4 0,15 14 0,-2 1 0,32 43 0,-40-47 0,1-1 0,0-1 0,1 0 0,0-1 0,1 0 0,1-1 0,0-1 0,21 13 0,-33-23 0,0-1 0,0 0 0,0 0 0,0 0 0,0-1 0,0 1 0,0-1 0,0 1 0,0-1 0,0 0 0,1 0 0,-1-1 0,0 1 0,0 0 0,0-1 0,0 0 0,0 0 0,0 0 0,0 0 0,0 0 0,0-1 0,-1 1 0,1-1 0,0 0 0,-1 0 0,1 0 0,-1 0 0,0 0 0,0 0 0,0-1 0,0 1 0,0-1 0,3-4 0,5-10 0,0 0 0,-1-1 0,-1 0 0,7-21 0,-9 25 0,-5 9 0,1 0 0,0 0 0,1 0 0,-1 0 0,1 1 0,0-1 0,0 1 0,0 0 0,1 0 0,0 0 0,-1 0 0,10-6 0,-10 8 0,1 0 0,0 1 0,0-1 0,0 1 0,0 0 0,0 0 0,0 0 0,0 1 0,0 0 0,0-1 0,0 1 0,0 0 0,0 1 0,0-1 0,1 1 0,-1 0 0,3 1 0,36 16 0,-35-14 0,-1 0 0,0-1 0,1 0 0,-1-1 0,1 1 0,12 1 0,-18-4 0,0 0 0,0 0 0,0 0 0,0-1 0,0 1 0,0-1 0,0 1 0,0-1 0,-1 0 0,1 1 0,0-1 0,0 0 0,-1 0 0,1 0 0,0-1 0,-1 1 0,1 0 0,-1 0 0,0-1 0,1 1 0,-1-1 0,0 0 0,0 1 0,0-1 0,0 0 0,0 1 0,0-1 0,0 0 0,-1 0 0,1 0 0,0-3 0,16-64 0,-17 69 0,0 0 0,0-1 0,0 1 0,0 0 0,0-1 0,0 1 0,0 0 0,0-1 0,0 1 0,0 0 0,1-1 0,-1 1 0,0 0 0,0 0 0,0-1 0,0 1 0,0 0 0,1-1 0,-1 1 0,0 0 0,0 0 0,0-1 0,1 1 0,-1 0 0,0 0 0,0 0 0,1-1 0,-1 1 0,0 0 0,1 0 0,-1 0 0,0 0 0,1 0 0,-1-1 0,0 1 0,1 0 0,-1 0 0,0 0 0,1 0 0,5 15 0,0 36 0,-5-44 0,83 488 0,-18-131 0,-60-336 0,-3-34 0,-2-44 0,-1 48 0,-3-255 0,1-216 0,2 459 0,8-128 0,-6 124 0,2-1 0,0 0 0,1 1 0,0-1 0,11-21 0,-14 36 0,0 0 0,0 0 0,0 0 0,1 0 0,-1 0 0,1 1 0,0 0 0,0-1 0,0 1 0,1 0 0,-1 0 0,5-2 0,-6 4 0,0 0 0,-1 1 0,1-1 0,0 1 0,0-1 0,-1 1 0,1 0 0,0 0 0,0 0 0,0 0 0,0 0 0,-1 0 0,1 0 0,0 1 0,0-1 0,-1 0 0,1 1 0,0 0 0,-1-1 0,1 1 0,0 0 0,-1 0 0,1 0 0,-1 0 0,1 0 0,-1 0 0,0 1 0,1-1 0,-1 0 0,0 1 0,0-1 0,1 2 0,8 11 0,-1 0 0,-1 0 0,0 1 0,-1 0 0,-1 0 0,0 0 0,-1 1 0,6 30 0,-2 10 0,3 72 0,-10-102 0,-1 0 0,-1 0 0,-2 0 0,0-1 0,-2 1 0,-13 46 0,14-62 0,-1 0 0,0-1 0,-1 0 0,1 1 0,-2-2 0,0 1 0,0-1 0,0 1 0,-1-2 0,0 1 0,0-1 0,-1 0 0,0 0 0,-1-1 0,1 0 0,-1-1 0,0 0 0,0 0 0,-20 6 0,4-5-118,0-1-1,-1-2 0,1 0 0,-1-2 1,1 0-1,-35-5 0,43 3-415,-37-2-6292</inkml:trace>
-</inkml:ink>
-</file>
-
-<file path=ppt/ink/ink16.xml><?xml version="1.0" encoding="utf-8"?>
-<inkml:ink xmlns:inkml="http://www.w3.org/2003/InkML">
-  <inkml:definitions>
-    <inkml:context xml:id="ctx0">
-      <inkml:inkSource xml:id="inkSrc0">
-        <inkml:traceFormat>
-          <inkml:channel name="X" type="integer" min="-2.14748E9" max="2.14748E9" units="cm"/>
-          <inkml:channel name="Y" type="integer" min="-2.14748E9" max="2.14748E9" units="cm"/>
-          <inkml:channel name="F" type="integer" max="32767" units="dev"/>
-        </inkml:traceFormat>
-        <inkml:channelProperties>
-          <inkml:channelProperty channel="X" name="resolution" value="1000" units="1/cm"/>
-          <inkml:channelProperty channel="Y" name="resolution" value="1000" units="1/cm"/>
-          <inkml:channelProperty channel="F" name="resolution" value="0" units="1/dev"/>
-        </inkml:channelProperties>
-      </inkml:inkSource>
-      <inkml:timestamp xml:id="ts0" timeString="2022-09-27T01:04:36.875"/>
-    </inkml:context>
-    <inkml:brush xml:id="br0">
-      <inkml:brushProperty name="width" value="0.05" units="cm"/>
-      <inkml:brushProperty name="height" value="0.05" units="cm"/>
-      <inkml:brushProperty name="color" value="#E71224"/>
-    </inkml:brush>
-  </inkml:definitions>
-  <inkml:trace contextRef="#ctx0" brushRef="#br0">1 1 24575,'6'0'0,"9"6"0,8 22 0,13 32 0,14 38 0,10 21 0,-4 11 0,-5-12 0,-6 1 0,-9-14 0,-6 2 0,0-5 0,-6-7 0,0-7 0,-5-12 0,-5-12 0,-5-10 0,-4-15-8191</inkml:trace>
-</inkml:ink>
-</file>
-
-<file path=ppt/ink/ink17.xml><?xml version="1.0" encoding="utf-8"?>
-<inkml:ink xmlns:inkml="http://www.w3.org/2003/InkML">
-  <inkml:definitions>
-    <inkml:context xml:id="ctx0">
-      <inkml:inkSource xml:id="inkSrc0">
-        <inkml:traceFormat>
-          <inkml:channel name="X" type="integer" min="-2.14748E9" max="2.14748E9" units="cm"/>
-          <inkml:channel name="Y" type="integer" min="-2.14748E9" max="2.14748E9" units="cm"/>
-          <inkml:channel name="F" type="integer" max="32767" units="dev"/>
-        </inkml:traceFormat>
-        <inkml:channelProperties>
-          <inkml:channelProperty channel="X" name="resolution" value="1000" units="1/cm"/>
-          <inkml:channelProperty channel="Y" name="resolution" value="1000" units="1/cm"/>
-          <inkml:channelProperty channel="F" name="resolution" value="0" units="1/dev"/>
-        </inkml:channelProperties>
-      </inkml:inkSource>
-      <inkml:timestamp xml:id="ts0" timeString="2022-09-27T01:04:38.613"/>
-    </inkml:context>
-    <inkml:brush xml:id="br0">
-      <inkml:brushProperty name="width" value="0.05" units="cm"/>
-      <inkml:brushProperty name="height" value="0.05" units="cm"/>
-      <inkml:brushProperty name="color" value="#E71224"/>
-    </inkml:brush>
-  </inkml:definitions>
-  <inkml:trace contextRef="#ctx0" brushRef="#br0">378 352 24575,'-52'-1'0,"25"-1"0,0 2 0,0 1 0,-40 7 0,59-7 0,0 1 0,1 1 0,-1-1 0,0 1 0,1 1 0,0-1 0,0 1 0,0 1 0,0-1 0,1 1 0,-1 0 0,1 0 0,0 1 0,1 0 0,0 0 0,-6 7 0,3-1 0,1 0 0,0 1 0,1 0 0,0 0 0,1 0 0,0 1 0,1-1 0,-3 21 0,6-30 0,1 1 0,-1-1 0,1 0 0,0 0 0,0 0 0,0 1 0,0-1 0,1 0 0,0 0 0,0 0 0,0 0 0,0 0 0,1 0 0,-1 0 0,1 0 0,0 0 0,1-1 0,-1 1 0,0-1 0,1 0 0,0 1 0,0-1 0,0 0 0,0-1 0,0 1 0,1 0 0,-1-1 0,1 0 0,-1 0 0,1 0 0,7 3 0,6 0 0,1 0 0,-1-2 0,1 0 0,0 0 0,0-2 0,0 0 0,0-1 0,1-1 0,-1 0 0,0-2 0,-1 0 0,1-1 0,-1-1 0,1 0 0,-1-1 0,-1-1 0,1-1 0,-1-1 0,15-10 0,-7-1 0,-1-2 0,-1-1 0,-1-1 0,-2 0 0,0-2 0,-1 0 0,-2-1 0,-1-1 0,-1 0 0,-1-1 0,-1 0 0,-2-1 0,-1-1 0,-2 1 0,0-1 0,-2-1 0,0-35 0,-7 94 0,-1-2 0,1 0 0,1 1 0,3 34 0,-1-55 0,-1 0 0,1 1 0,0-1 0,0 0 0,0 1 0,1-1 0,0 0 0,0 0 0,0 0 0,0 0 0,1-1 0,0 1 0,0-1 0,0 1 0,0-1 0,1 0 0,0 0 0,0-1 0,0 1 0,0-1 0,1 0 0,-1 0 0,8 4 0,-8-6 0,1 0 0,-1 0 0,1 0 0,-1-1 0,1 0 0,-1 1 0,1-2 0,-1 1 0,1 0 0,-1-1 0,1 0 0,-1 0 0,1 0 0,-1-1 0,0 1 0,0-1 0,0 0 0,0 0 0,0-1 0,0 1 0,0-1 0,-1 0 0,1 0 0,-1 0 0,3-4 0,11-11 0,-2 0 0,-1-1 0,19-31 0,-20 30 0,-13 19 0,1 0 0,-1 0 0,1-1 0,0 1 0,0 0 0,-1 0 0,1 0 0,0 0 0,0 0 0,0 0 0,0 1 0,0-1 0,1 0 0,-1 0 0,0 1 0,2-1 0,-3 1 0,1 0 0,-1 0 0,1 0 0,-1 0 0,1 1 0,-1-1 0,1 0 0,-1 0 0,0 1 0,1-1 0,-1 0 0,0 1 0,1-1 0,-1 0 0,0 1 0,1-1 0,-1 0 0,0 1 0,1-1 0,-1 1 0,0-1 0,0 1 0,0-1 0,0 1 0,1-1 0,-1 1 0,0-1 0,0 1 0,4 53 0,-4-45 0,-1 598 0,-3-228 0,5-343 0,-1 9 0,-5 56 0,4-91 0,-1 0 0,1 0 0,-2 0 0,0 0 0,0 0 0,0-1 0,-1 1 0,-1-1 0,0 0 0,0 0 0,-8 10 0,12-17 0,-1 0 0,0 0 0,1 0 0,-1 0 0,0 0 0,0 0 0,0-1 0,0 1 0,0-1 0,0 1 0,-1-1 0,1 0 0,0 0 0,-1 0 0,1 0 0,-1 0 0,1 0 0,-1-1 0,0 0 0,1 1 0,-1-1 0,1 0 0,-1 0 0,0 0 0,1-1 0,-1 1 0,1 0 0,-1-1 0,1 0 0,-1 0 0,1 0 0,-1 0 0,1 0 0,0 0 0,-1 0 0,1-1 0,0 1 0,0-1 0,0 0 0,0 1 0,0-1 0,1 0 0,-3-3 0,-3-4 0,0 0 0,0-1 0,1 0 0,0 0 0,1 0 0,0-1 0,1 0 0,-5-17 0,2 2 0,2 0 0,1-1 0,1 0 0,1 0 0,1 0 0,1 0 0,2 0 0,1 0 0,1 1 0,1-1 0,1 1 0,2 0 0,12-29 0,7-1 0,3 1 0,1 1 0,4 2 0,47-56 0,183-183 0,-84 98 0,24-64 0,-241 395 0,17-73 0,3 0 0,3 2 0,2-1 0,4 1 0,1 84 0,7-141 0,-1 0 0,1 0 0,1-1 0,0 1 0,0-1 0,1 1 0,0-1 0,0 0 0,1 0 0,0 0 0,1 0 0,0-1 0,9 12 0,-9-15 0,-1-1 0,1 1 0,0-1 0,0 0 0,0-1 0,1 1 0,-1-1 0,1 0 0,0 0 0,0-1 0,0 0 0,0 0 0,0 0 0,0-1 0,1 0 0,-1 0 0,1 0 0,-1-1 0,0 0 0,1-1 0,9 0 0,-7-1 0,0 0 0,0-1 0,0 0 0,0 0 0,-1-1 0,1 0 0,-1 0 0,0-1 0,0 0 0,0-1 0,-1 1 0,0-2 0,0 1 0,0-1 0,-1 0 0,11-15 0,4-10 0,-2-1 0,29-67 0,-17 34 0,-30 64 0,0-1 0,0 1 0,0-1 0,0 1 0,1 0 0,-1-1 0,1 1 0,0 0 0,-1 0 0,1 0 0,0 0 0,0 0 0,1 1 0,-1-1 0,3-1 0,-4 3 0,-1 0 0,1 0 0,-1 0 0,1 0 0,-1 0 0,1 0 0,-1 0 0,1 0 0,-1 0 0,1 1 0,-1-1 0,0 0 0,1 0 0,-1 0 0,1 1 0,-1-1 0,0 0 0,1 1 0,-1-1 0,0 0 0,1 1 0,-1-1 0,0 0 0,1 1 0,-1-1 0,0 1 0,0-1 0,1 1 0,6 27 0,-5 3 0,-1-19 0,0 1 0,0-1 0,1 0 0,0 0 0,1 0 0,8 19 0,-9-28 0,-1 0 0,1 0 0,0-1 0,0 1 0,0-1 0,0 1 0,1-1 0,-1 0 0,1 0 0,-1 0 0,1 0 0,0-1 0,0 1 0,0-1 0,-1 0 0,1 1 0,1-1 0,-1 0 0,0-1 0,0 1 0,0-1 0,0 1 0,1-1 0,-1 0 0,0 0 0,0 0 0,0-1 0,1 1 0,-1-1 0,0 0 0,5-1 0,12-4 0,-1 0 0,0-1 0,-1-1 0,0-1 0,28-17 0,82-66 0,-117 84 0,-1 1-136,-1-1-1,1 0 1,-2 0-1,1-1 1,-1 0-1,0 0 1,-1-1-1,0 0 0,10-19 1,-6-2-6690</inkml:trace>
-</inkml:ink>
-</file>
-
-<file path=ppt/ink/ink18.xml><?xml version="1.0" encoding="utf-8"?>
-<inkml:ink xmlns:inkml="http://www.w3.org/2003/InkML">
-  <inkml:definitions>
-    <inkml:context xml:id="ctx0">
-      <inkml:inkSource xml:id="inkSrc0">
-        <inkml:traceFormat>
-          <inkml:channel name="X" type="integer" min="-2.14748E9" max="2.14748E9" units="cm"/>
-          <inkml:channel name="Y" type="integer" min="-2.14748E9" max="2.14748E9" units="cm"/>
-          <inkml:channel name="F" type="integer" max="32767" units="dev"/>
-        </inkml:traceFormat>
-        <inkml:channelProperties>
-          <inkml:channelProperty channel="X" name="resolution" value="1000" units="1/cm"/>
-          <inkml:channelProperty channel="Y" name="resolution" value="1000" units="1/cm"/>
-          <inkml:channelProperty channel="F" name="resolution" value="0" units="1/dev"/>
-        </inkml:channelProperties>
-      </inkml:inkSource>
-      <inkml:timestamp xml:id="ts0" timeString="2022-09-27T01:04:56"/>
-    </inkml:context>
-    <inkml:brush xml:id="br0">
-      <inkml:brushProperty name="width" value="0.05" units="cm"/>
-      <inkml:brushProperty name="height" value="0.05" units="cm"/>
-      <inkml:brushProperty name="color" value="#E71224"/>
-    </inkml:brush>
-  </inkml:definitions>
-  <inkml:trace contextRef="#ctx0" brushRef="#br0">42 94 24575,'-1'1'0,"-1"-1"0,1 1 0,0-1 0,-1 1 0,1-1 0,0 1 0,-1 0 0,1-1 0,0 1 0,0 0 0,-1 0 0,1 0 0,0 0 0,0 0 0,0 0 0,0 1 0,1-1 0,-1 0 0,0 0 0,0 1 0,1-1 0,-1 0 0,1 1 0,-1-1 0,1 1 0,0-1 0,-1 1 0,1 1 0,-7 48 0,6-44 0,-6 505 0,10-298 0,-2-12 0,0-194 0,4-19 0,7-36 0,-7 29 0,61-328 0,-49 231 0,5 1 0,55-162 0,-75 269 0,0 1 0,1 0 0,0 0 0,0 0 0,0 0 0,1 0 0,6-7 0,-10 13 0,1-1 0,-1 0 0,1 1 0,0 0 0,-1-1 0,1 1 0,0-1 0,-1 1 0,1 0 0,0-1 0,0 1 0,-1 0 0,1 0 0,0-1 0,0 1 0,0 0 0,-1 0 0,1 0 0,0 0 0,0 0 0,0 0 0,-1 0 0,1 1 0,1-1 0,0 1 0,0 0 0,0 1 0,0-1 0,0 1 0,-1-1 0,1 1 0,0-1 0,-1 1 0,0 0 0,1 0 0,-1 0 0,0 0 0,1 2 0,21 42 0,-3 1 0,19 66 0,0-2 0,-29-85 0,40 93 0,-44-107 0,1 0 0,0-1 0,0 0 0,1 0 0,1-1 0,0 0 0,14 12 0,-21-20 0,0 0 0,1-1 0,-1 1 0,0 0 0,1-1 0,-1 0 0,1 1 0,0-1 0,-1 0 0,1 0 0,0-1 0,0 1 0,-1 0 0,1-1 0,0 0 0,0 0 0,0 0 0,0 0 0,0 0 0,-1 0 0,1-1 0,0 0 0,0 1 0,0-1 0,-1 0 0,1 0 0,0 0 0,-1-1 0,1 1 0,-1-1 0,0 1 0,1-1 0,-1 0 0,0 0 0,0 0 0,0 0 0,2-3 0,8-10 0,-2 0 0,1 0 0,-2-1 0,13-29 0,-20 42 0,37-93 0,-4-1 0,25-111 0,-26 86 0,-15 63 0,-19 58 0,0 0 0,0 0 0,1 1 0,-1-1 0,0 0 0,0 0 0,1 0 0,-1 1 0,0-1 0,1 0 0,-1 0 0,1 1 0,-1-1 0,1 0 0,-1 1 0,1-1 0,0 1 0,-1-1 0,1 0 0,0 1 0,-1 0 0,1-1 0,0 1 0,0-1 0,1 1 0,-1 1 0,0 0 0,0 0 0,-1 0 0,1 0 0,0 0 0,-1 1 0,1-1 0,-1 0 0,1 0 0,-1 1 0,0-1 0,1 0 0,-1 1 0,0-1 0,0 3 0,7 72 0,-4 136 0,-1 20 0,4-167 0,2 0 0,3-1 0,3 0 0,39 109 0,-50-165 0,0-1 0,1 1 0,0-1 0,0 0 0,0 0 0,1 0 0,0-1 0,0 0 0,1 0 0,0 0 0,0 0 0,12 8 0,-9-9 0,0-1 0,0 0 0,1 0 0,-1-1 0,1 0 0,0-1 0,0 0 0,0 0 0,20 0 0,22 0 0,0-2 0,0-3 0,0-2 0,-1-1 0,0-4 0,0-1 0,-1-3 0,0-1 0,92-44 0,-54 12 0,-2-3 0,-3-4 0,94-78 0,-167 123 0,-3 4 0,-1 0 0,1 0 0,-1 0 0,0-1 0,-1 0 0,0 0 0,1-1 0,-2 1 0,1-1 0,5-12 0,-10 18 0,1 0 0,-1 0 0,0 0 0,0 0 0,0 1 0,0-1 0,0 0 0,0 0 0,0 0 0,0 0 0,0 1 0,0-1 0,-1 0 0,1 0 0,0 0 0,-1 0 0,1 1 0,0-1 0,-1 0 0,1 1 0,-1-1 0,1 0 0,-1 1 0,0-1 0,1 0 0,-1 1 0,1-1 0,-1 1 0,0-1 0,0 1 0,1-1 0,-1 1 0,-1-1 0,-28-5 0,21 7 0,1 0 0,0 0 0,0 1 0,-1-1 0,1 2 0,0-1 0,1 1 0,-1 1 0,0-1 0,1 1 0,0 1 0,0-1 0,0 1 0,0 0 0,1 1 0,0-1 0,0 1 0,0 1 0,1-1 0,-7 11 0,2-1 0,1 0 0,0 0 0,1 1 0,0 0 0,2 0 0,0 1 0,1 0 0,-4 24 0,7-28 0,0 1 0,1-1 0,0 0 0,1 1 0,3 22 0,-2-33 0,0 0 0,0 0 0,0 0 0,0 0 0,1 0 0,0 0 0,-1-1 0,1 1 0,1-1 0,-1 1 0,0-1 0,1 1 0,0-1 0,-1 0 0,1 0 0,1-1 0,-1 1 0,0-1 0,1 1 0,-1-1 0,1 0 0,0 0 0,6 2 0,0-1 0,0-1 0,0-1 0,0 1 0,1-1 0,-1-1 0,0 0 0,0-1 0,1 1 0,-1-2 0,0 0 0,0 0 0,0-1 0,-1 0 0,1 0 0,-1-1 0,1-1 0,-1 1 0,0-2 0,14-10 0,-7 4 0,0-1 0,-1-1 0,0 0 0,-1-1 0,-1-1 0,0 0 0,-1 0 0,-1-1 0,9-19 0,18-56 0,-35 88 0,-1 11 0,0 30 0,-3 50 0,0-61 0,-1-7 0,2 1 0,0-1 0,1 1 0,1-1 0,5 26 0,-5-39 0,0-1 0,-1-1 0,2 1 0,-1 0 0,0 0 0,1-1 0,0 1 0,0-1 0,1 0 0,-1 0 0,1 0 0,-1 0 0,1-1 0,1 0 0,-1 1 0,0-2 0,1 1 0,-1 0 0,1-1 0,0 0 0,0 0 0,0 0 0,0-1 0,9 2 0,-7-2 0,-1 0 0,1 0 0,0-1 0,0 0 0,0 0 0,0-1 0,-1 0 0,1 0 0,0 0 0,-1-1 0,1 0 0,-1-1 0,1 1 0,-1-1 0,0 0 0,0-1 0,-1 0 0,1 1 0,9-10 0,5-7 0,0 0 0,-2-1 0,25-39 0,-1 4 0,14-6 0,-50 57 0,-1 0 0,1 1 0,0 0 0,-1 0 0,2 0 0,-1 1 0,0-1 0,1 2 0,9-4 0,-13 6 0,1 0 0,-1 0 0,1 0 0,-1 0 0,1 1 0,-1-1 0,1 1 0,-1 0 0,0 0 0,1 1 0,-1-1 0,0 0 0,0 1 0,0 0 0,0 0 0,0 0 0,0 0 0,-1 0 0,1 1 0,-1-1 0,4 5 0,27 19 0,-27-22 0,0-1 0,1-1 0,-1 1 0,1-1 0,-1 0 0,1-1 0,-1 0 0,1 0 0,0 0 0,0-1 0,0 0 0,-1 0 0,1 0 0,0-1 0,0 0 0,-1-1 0,1 0 0,0 0 0,-1 0 0,0 0 0,8-5 0,9-6 0,-1-2 0,-1 0 0,0-1 0,23-24 0,27-21 0,-69 60 0,0-1 0,0 1 0,0-1 0,1 1 0,-1 0 0,1-1 0,-1 1 0,0 1 0,1-1 0,0 0 0,-1 1 0,1-1 0,-1 1 0,5-1 0,-5 2 0,0-1 0,-1 1 0,1-1 0,-1 1 0,1-1 0,-1 1 0,1 0 0,-1-1 0,0 1 0,1 0 0,-1 0 0,0 0 0,1 0 0,-1 0 0,0 1 0,0-1 0,0 0 0,1 2 0,3 6 0,-1 0 0,0 1 0,0 0 0,-1 0 0,0 0 0,1 11 0,-1-5 0,16 68 0,-12-44 0,2 0 0,1 0 0,2-1 0,2 0 0,21 40 0,-31-73 0,-1 0 0,1 0 0,0 0 0,0-1 0,1 1 0,0-1 0,0 0 0,0-1 0,0 1 0,1-1 0,0 0 0,0 0 0,0-1 0,10 5 0,-11-7 0,0 0 0,0 0 0,0 0 0,1-1 0,-1 0 0,0 1 0,0-2 0,1 1 0,-1-1 0,0 0 0,0 0 0,0 0 0,0-1 0,0 0 0,0 0 0,0 0 0,-1 0 0,1-1 0,6-5 0,17-13 0,-1-1 0,-2-1 0,0-1 0,-2-2 0,0 0 0,-2-1 0,-1-2 0,-2 0 0,0-1 0,-2 0 0,15-41 0,-28 62 0,-1 0 0,0-1 0,0 1 0,1-14 0,-3 22 0,0-1 0,0 1 0,0 0 0,0-1 0,0 1 0,-1-1 0,1 1 0,0-1 0,0 1 0,-1 0 0,1-1 0,-1 1 0,0 0 0,1-1 0,-2-1 0,1 3 0,0-1 0,0 1 0,0 0 0,0 0 0,1-1 0,-1 1 0,0 0 0,0 0 0,0 0 0,0 0 0,0 0 0,1 0 0,-1 0 0,0 0 0,0 0 0,0 0 0,0 1 0,0-1 0,1 0 0,-1 1 0,0-1 0,0 0 0,1 1 0,-1-1 0,0 1 0,0-1 0,1 1 0,-1 0 0,0 0 0,-6 5 0,1 0 0,1 0 0,-1 1 0,1 0 0,0 0 0,1 0 0,-1 0 0,2 1 0,-1 0 0,1 0 0,0 0 0,0 0 0,1 0 0,0 1 0,1-1 0,0 1 0,0 12 0,1-17 0,0 0 0,0 0 0,0 0 0,1 0 0,0 0 0,-1 0 0,1 0 0,1 0 0,-1-1 0,1 1 0,-1 0 0,1 0 0,0-1 0,0 0 0,1 1 0,3 3 0,-3-4 0,0-1 0,0 0 0,0 0 0,1-1 0,-1 1 0,0-1 0,1 1 0,-1-1 0,1 0 0,0-1 0,-1 1 0,1 0 0,0-1 0,-1 0 0,1 0 0,0 0 0,-1 0 0,1-1 0,0 0 0,-1 1 0,6-3 0,2 0 0,0-1 0,0-1 0,0 0 0,0-1 0,-1 0 0,0 0 0,0-1 0,0 0 0,15-16 0,8-11 0,31-41 0,-54 63 0,60-87 0,-19 24 0,-50 74 0,-1 0 0,1 0 0,-1 0 0,1 0 0,-1 0 0,1 0 0,0 0 0,-1 0 0,1 1 0,0-1 0,0 0 0,0 0 0,0 1 0,0-1 0,-1 1 0,1-1 0,0 0 0,0 1 0,1 0 0,-1-1 0,0 1 0,0 0 0,0-1 0,0 1 0,0 0 0,0 0 0,0 0 0,0 0 0,0 0 0,1 0 0,-1 0 0,0 1 0,0-1 0,0 0 0,0 1 0,0-1 0,0 0 0,0 1 0,0-1 0,0 1 0,0 0 0,0-1 0,0 1 0,0 0 0,-1-1 0,1 1 0,0 0 0,0 0 0,-1 0 0,1 0 0,-1 0 0,1 0 0,0 1 0,5 9 0,0 0 0,-1 1 0,-1-1 0,4 14 0,-1-5 0,-5-14 0,1-1 0,-1 0 0,1 1 0,0-1 0,0-1 0,1 1 0,-1 0 0,1-1 0,0 0 0,0 0 0,1 0 0,-1 0 0,1-1 0,0 0 0,0 1 0,0-2 0,0 1 0,1-1 0,-1 0 0,1 0 0,-1 0 0,1-1 0,0 0 0,-1 0 0,1 0 0,0-1 0,0 0 0,6 0 0,3-2 0,0 0 0,0-1 0,0 0 0,0-1 0,-1-1 0,0-1 0,0 0 0,0 0 0,24-16 0,22-22 0,-39 28 0,1 0 0,0 2 0,41-20 0,-60 33 0,-1 0 0,1 0 0,-1 0 0,1 0 0,-1 1 0,1-1 0,-1 1 0,1 0 0,-1 0 0,1 0 0,0 0 0,-1 0 0,1 0 0,-1 1 0,1-1 0,0 1 0,-1 0 0,1-1 0,-1 1 0,0 1 0,1-1 0,-1 0 0,0 0 0,0 1 0,0 0 0,0-1 0,0 1 0,0 0 0,0 0 0,0 0 0,-1 0 0,1 0 0,-1 0 0,0 0 0,1 1 0,-1-1 0,0 0 0,0 1 0,0-1 0,0 5 0,4 10 0,0 2 0,-2-1 0,0 0 0,0 27 0,-2-40 0,4 57 0,-3 0 0,-3 1 0,-2-1 0,-14 75 0,16-128 0,-1-1 0,0 1 0,-1 0 0,0-1 0,0 1 0,-1-1 0,0 0 0,-1 0 0,1 0 0,-2-1 0,1 0 0,-1 0 0,-9 10 0,14-17 0,1 0 0,-1 1 0,0-1 0,1 1 0,-1-1 0,1 0 0,-1 0 0,1 1 0,-1-1 0,0 0 0,1 0 0,-1 0 0,0 1 0,1-1 0,-1 0 0,0 0 0,1 0 0,-1 0 0,1 0 0,-1-1 0,0 1 0,1 0 0,-1 0 0,0 0 0,1 0 0,-1-1 0,1 1 0,-1 0 0,0-1 0,1 1 0,-1 0 0,1-1 0,-1 1 0,1-1 0,-1 1 0,1-1 0,0 1 0,-1-1 0,-10-27 0,8 10 0,1 1 0,0 0 0,1-1 0,2 0 0,-1 1 0,2-1 0,1 1 0,0 0 0,1 0 0,0 0 0,11-24 0,4-5 0,1 1 0,50-77 0,-24 51 0,76-89 0,-93 127 0,2 2 0,0 0 0,2 2 0,52-34 0,-82 60 0,0 1 0,0 0 0,0 0 0,0 0 0,0 1 0,1-1 0,-1 1 0,0 0 0,1 0 0,-1 0 0,1 0 0,-1 0 0,1 1 0,-1 0 0,1 0 0,0 0 0,3 0 0,-5 1 0,-1-1 0,0 1 0,0-1 0,0 1 0,0 0 0,0-1 0,0 1 0,0 0 0,0 0 0,-1 0 0,1 0 0,0 0 0,0 0 0,-1 0 0,1 0 0,0 0 0,-1 0 0,1 0 0,-1 2 0,2 1 0,-2 0 0,1 0 0,0 0 0,-1 1 0,0-1 0,0 0 0,-1 8 0,-7 40 0,-3 1 0,-31 90 0,-1 1 0,35-110 0,-1-6 0,2 0 0,1 1 0,2 0 0,1 0 0,1 1 0,2 33 0,0-59 0,0 0 0,0 0 0,1 0 0,0 0 0,0 0 0,0 0 0,0 0 0,1-1 0,-1 1 0,1 0 0,0-1 0,0 1 0,0-1 0,1 0 0,-1 1 0,1-1 0,0-1 0,0 1 0,0 0 0,0-1 0,0 1 0,0-1 0,1 0 0,-1 0 0,1 0 0,0 0 0,0-1 0,-1 0 0,1 1 0,0-2 0,0 1 0,0 0 0,0-1 0,6 1 0,3-2 0,1 0 0,-1-1 0,1 0 0,-1-1 0,0 0 0,0-1 0,0-1 0,23-11 0,4-6 0,-2-2 0,-1-1 0,-1-2 0,-1-2 0,47-48 0,144-184 0,-173 195 0,-42 53 0,-7 7 0,0 1 0,0-1 0,0 1 0,1 0 0,-1 0 0,1 1 0,0 0 0,1 0 0,-1 0 0,1 0 0,-1 1 0,13-5 0,-17 8 0,0 0 0,1 0 0,-1 0 0,0 0 0,1 0 0,-1 0 0,0 1 0,1-1 0,-1 0 0,0 1 0,1 0 0,-1-1 0,0 1 0,0-1 0,0 1 0,0 0 0,1 0 0,-1 0 0,0 0 0,0 0 0,-1 0 0,1 0 0,0 0 0,0 0 0,0 0 0,-1 0 0,1 0 0,0 1 0,-1-1 0,1 0 0,-1 2 0,14 48 0,-12-40 0,3 14 0,-1-3 0,1 0 0,13 35 0,-16-52 0,0 1 0,1-1 0,-1-1 0,1 1 0,0 0 0,1 0 0,-1-1 0,1 0 0,0 0 0,0 0 0,0 0 0,0-1 0,1 1 0,0-1 0,8 5 0,-9-7 0,-1 0 0,0-1 0,0 1 0,1 0 0,-1-1 0,1 0 0,-1 0 0,0 0 0,1 0 0,-1 0 0,0-1 0,1 1 0,-1-1 0,0 0 0,1 0 0,-1 0 0,0-1 0,0 1 0,3-2 0,9-6 0,-1-1 0,23-19 0,19-12 0,-39 34-227,1 0-1,1 2 1,-1 0-1,1 0 1,24-1-1,39-4-6598</inkml:trace>
-</inkml:ink>
-</file>
-
-<file path=ppt/ink/ink19.xml><?xml version="1.0" encoding="utf-8"?>
-<inkml:ink xmlns:inkml="http://www.w3.org/2003/InkML">
-  <inkml:definitions>
-    <inkml:context xml:id="ctx0">
-      <inkml:inkSource xml:id="inkSrc0">
-        <inkml:traceFormat>
-          <inkml:channel name="X" type="integer" min="-2.14748E9" max="2.14748E9" units="cm"/>
-          <inkml:channel name="Y" type="integer" min="-2.14748E9" max="2.14748E9" units="cm"/>
-          <inkml:channel name="F" type="integer" max="32767" units="dev"/>
-        </inkml:traceFormat>
-        <inkml:channelProperties>
-          <inkml:channelProperty channel="X" name="resolution" value="1000" units="1/cm"/>
-          <inkml:channelProperty channel="Y" name="resolution" value="1000" units="1/cm"/>
-          <inkml:channelProperty channel="F" name="resolution" value="0" units="1/dev"/>
-        </inkml:channelProperties>
-      </inkml:inkSource>
-      <inkml:timestamp xml:id="ts0" timeString="2022-09-27T01:04:58.144"/>
-    </inkml:context>
-    <inkml:brush xml:id="br0">
-      <inkml:brushProperty name="width" value="0.05" units="cm"/>
-      <inkml:brushProperty name="height" value="0.05" units="cm"/>
-      <inkml:brushProperty name="color" value="#E71224"/>
-    </inkml:brush>
-  </inkml:definitions>
-  <inkml:trace contextRef="#ctx0" brushRef="#br0">598 0 24575,'0'5'0,"-1"0"0,0 0 0,0 0 0,0 0 0,0-1 0,-1 1 0,0 0 0,0-1 0,0 1 0,-1-1 0,-5 8 0,-42 46 0,18-23 0,19-19 0,-23 29 0,-40 65 0,65-92 0,2 1 0,0 0 0,1 1 0,0 0 0,2 0 0,1 1 0,-4 24 0,-3 100 0,11 277 0,6-201 0,-1-150 0,14 76 0,-10-99 0,-2 1 0,-2 0 0,-2 0 0,-7 79 0,4-120 0,-1 0 0,0-1 0,0 1 0,0-1 0,-1 1 0,0-1 0,-1 0 0,1 0 0,-1-1 0,-1 1 0,1-1 0,-1 0 0,0 0 0,-1 0 0,0-1 0,1 0 0,-1 0 0,-11 7 0,-6 0 0,1-1 0,-1-1 0,-1-1 0,-32 8 0,-24 9 0,79-26 0,0 0 0,0 1 0,0-1 0,1 0 0,-1 1 0,0-1 0,0 1 0,0-1 0,0 1 0,1-1 0,-1 1 0,0-1 0,1 1 0,-1 0 0,0-1 0,1 1 0,-1 0 0,1 0 0,-1 0 0,1-1 0,-1 1 0,1 0 0,0 0 0,-1 0 0,1 0 0,-1 2 0,2-2 0,-1 1 0,1 0 0,-1-1 0,1 1 0,-1-1 0,1 1 0,0-1 0,-1 1 0,1-1 0,0 1 0,0-1 0,0 0 0,0 1 0,2 0 0,8 8 0,-1-1 0,2-1 0,12 9 0,-14-11 0,64 46 0,-2 3 0,118 117 0,-174-154 0,-1 1 0,-1 1 0,-1 0 0,0 1 0,-2 0 0,0 1 0,-2 0 0,0 1 0,-1-1 0,-2 2 0,0-1 0,3 35 0,-1 26 0,-4 1 0,-8 104 0,-1-38 0,4-48 0,4 140 0,-2-225 0,1 1 0,1-1 0,1 0 0,1 0 0,0 0 0,1-1 0,1 0 0,1 0 0,15 26 0,-17-34 0,0-1 0,1 1 0,0-1 0,0 0 0,1 0 0,0-1 0,1 0 0,-1-1 0,1 0 0,0 0 0,1-1 0,-1 0 0,1 0 0,0-1 0,1-1 0,-1 0 0,19 3 0,12-1 0,0-2 0,0-2 0,0-2 0,49-7 0,-86 7-114,1 0 1,0 0-1,-1 0 0,1 0 0,0-1 1,-1 1-1,0-1 0,1-1 0,-1 1 1,0 0-1,6-6 0,7-9-6712</inkml:trace>
-</inkml:ink>
-</file>
-
-<file path=ppt/ink/ink2.xml><?xml version="1.0" encoding="utf-8"?>
-<inkml:ink xmlns:inkml="http://www.w3.org/2003/InkML">
-  <inkml:definitions>
-    <inkml:context xml:id="ctx0">
-      <inkml:inkSource xml:id="inkSrc0">
-        <inkml:traceFormat>
-          <inkml:channel name="X" type="integer" min="-2.14748E9" max="2.14748E9" units="cm"/>
-          <inkml:channel name="Y" type="integer" min="-2.14748E9" max="2.14748E9" units="cm"/>
-          <inkml:channel name="F" type="integer" max="32767" units="dev"/>
-        </inkml:traceFormat>
-        <inkml:channelProperties>
-          <inkml:channelProperty channel="X" name="resolution" value="1000" units="1/cm"/>
-          <inkml:channelProperty channel="Y" name="resolution" value="1000" units="1/cm"/>
-          <inkml:channelProperty channel="F" name="resolution" value="0" units="1/dev"/>
-        </inkml:channelProperties>
-      </inkml:inkSource>
-      <inkml:timestamp xml:id="ts0" timeString="2022-09-27T01:04:05.421"/>
-    </inkml:context>
-    <inkml:brush xml:id="br0">
-      <inkml:brushProperty name="width" value="0.05" units="cm"/>
-      <inkml:brushProperty name="height" value="0.05" units="cm"/>
-      <inkml:brushProperty name="color" value="#E71224"/>
-    </inkml:brush>
-  </inkml:definitions>
-  <inkml:trace contextRef="#ctx0" brushRef="#br0">1 82 24575,'538'0'0,"-492"-3"0,84-14 0,-81 8 0,63-2 0,-100 11 0,43-2 0,74-11 0,-41 1 0,124-3 0,93 17 0,-98 2 0,-164-4-1365,-5 0-5461</inkml:trace>
-</inkml:ink>
-</file>
-
-<file path=ppt/ink/ink20.xml><?xml version="1.0" encoding="utf-8"?>
-<inkml:ink xmlns:inkml="http://www.w3.org/2003/InkML">
-  <inkml:definitions>
-    <inkml:context xml:id="ctx0">
-      <inkml:inkSource xml:id="inkSrc0">
-        <inkml:traceFormat>
-          <inkml:channel name="X" type="integer" min="-2.14748E9" max="2.14748E9" units="cm"/>
-          <inkml:channel name="Y" type="integer" min="-2.14748E9" max="2.14748E9" units="cm"/>
-          <inkml:channel name="F" type="integer" max="32767" units="dev"/>
-        </inkml:traceFormat>
-        <inkml:channelProperties>
-          <inkml:channelProperty channel="X" name="resolution" value="1000" units="1/cm"/>
-          <inkml:channelProperty channel="Y" name="resolution" value="1000" units="1/cm"/>
-          <inkml:channelProperty channel="F" name="resolution" value="0" units="1/dev"/>
-        </inkml:channelProperties>
-      </inkml:inkSource>
-      <inkml:timestamp xml:id="ts0" timeString="2022-09-27T01:04:59.547"/>
-    </inkml:context>
-    <inkml:brush xml:id="br0">
-      <inkml:brushProperty name="width" value="0.05" units="cm"/>
-      <inkml:brushProperty name="height" value="0.05" units="cm"/>
-      <inkml:brushProperty name="color" value="#E71224"/>
-    </inkml:brush>
-  </inkml:definitions>
-  <inkml:trace contextRef="#ctx0" brushRef="#br0">0 1 24575,'7'0'0,"14"0"0,17 0 0,8 0 0,4 0 0,5 0 0,0 0 0,-3 0 0,-4 0 0,-3 0 0,-3 0 0,-3 0 0,-1 0 0,-1 0 0,1 0 0,-1 0 0,-6 0-8191</inkml:trace>
-</inkml:ink>
-</file>
-
-<file path=ppt/ink/ink21.xml><?xml version="1.0" encoding="utf-8"?>
-<inkml:ink xmlns:inkml="http://www.w3.org/2003/InkML">
-  <inkml:definitions>
-    <inkml:context xml:id="ctx0">
-      <inkml:inkSource xml:id="inkSrc0">
-        <inkml:traceFormat>
-          <inkml:channel name="X" type="integer" max="2390" units="cm"/>
-          <inkml:channel name="Y" type="integer" max="768" units="cm"/>
-          <inkml:channel name="T" type="integer" max="2.14748E9" units="dev"/>
-        </inkml:traceFormat>
-        <inkml:channelProperties>
-          <inkml:channelProperty channel="X" name="resolution" value="69.47675" units="1/cm"/>
-          <inkml:channelProperty channel="Y" name="resolution" value="39.58763" units="1/cm"/>
-          <inkml:channelProperty channel="T" name="resolution" value="1" units="1/dev"/>
-        </inkml:channelProperties>
-      </inkml:inkSource>
-      <inkml:timestamp xml:id="ts0" timeString="2022-10-03T07:03:34.278"/>
-    </inkml:context>
-    <inkml:brush xml:id="br0">
-      <inkml:brushProperty name="width" value="0.05292" units="cm"/>
-      <inkml:brushProperty name="height" value="0.05292" units="cm"/>
-      <inkml:brushProperty name="color" value="#FF0000"/>
-    </inkml:brush>
-  </inkml:definitions>
-  <inkml:trace contextRef="#ctx0" brushRef="#br0">7862 15002 0,'-80'0'0,"41"80"0,-1-80 16,-79 40-1,39-1 1,-39 80-16,0-79 16,40 39-16,-1-39 15,41 0-15,-41-1 16,160-39 31,-1 0-47,80 0 15,159-39-15,39-80 16,119 39-16,199-78 16,-198 78-16,79 40 0,-80 1 15,-79 39-15,-40 0 16,-317 0-1,-40 79 17,0 80-32,-119-80 15,-40-39-15,-119 0 16,-119 39-16,-40-39 16,-39 39-16,79 0 15,79 1-15,120-80 16,158 39-16,40 1 15,40-40 17,39 0-32,80 0 15,79 0-15,80 0 16,-120 0-16,-39 0 16,-159 159-16,-39-80 15,-120 80-15,-159-40 16,-238 0-16,-238 0 15,-357-79-15,118-40 16,160 0 0,79 0-16,198 0 15,80 0-15,119 0 16,199 0 0,158 0-1</inkml:trace>
-</inkml:ink>
-</file>
-
-<file path=ppt/ink/ink22.xml><?xml version="1.0" encoding="utf-8"?>
-<inkml:ink xmlns:inkml="http://www.w3.org/2003/InkML">
-  <inkml:definitions>
-    <inkml:context xml:id="ctx0">
-      <inkml:inkSource xml:id="inkSrc0">
-        <inkml:traceFormat>
-          <inkml:channel name="X" type="integer" min="-2.14748E9" max="2.14748E9" units="cm"/>
-          <inkml:channel name="Y" type="integer" min="-2.14748E9" max="2.14748E9" units="cm"/>
-          <inkml:channel name="F" type="integer" max="32767" units="dev"/>
-        </inkml:traceFormat>
-        <inkml:channelProperties>
-          <inkml:channelProperty channel="X" name="resolution" value="1000" units="1/cm"/>
-          <inkml:channelProperty channel="Y" name="resolution" value="1000" units="1/cm"/>
-          <inkml:channelProperty channel="F" name="resolution" value="0" units="1/dev"/>
-        </inkml:channelProperties>
-      </inkml:inkSource>
       <inkml:timestamp xml:id="ts0" timeString="2022-09-27T01:07:40.992"/>
     </inkml:context>
     <inkml:brush xml:id="br0">
@@ -560,7 +168,7 @@
 </inkml:ink>
 </file>
 
-<file path=ppt/ink/ink23.xml><?xml version="1.0" encoding="utf-8"?>
+<file path=ppt/ink/ink2.xml><?xml version="1.0" encoding="utf-8"?>
 <inkml:ink xmlns:inkml="http://www.w3.org/2003/InkML">
   <inkml:definitions>
     <inkml:context xml:id="ctx0">
@@ -588,7 +196,7 @@
 </inkml:ink>
 </file>
 
-<file path=ppt/ink/ink24.xml><?xml version="1.0" encoding="utf-8"?>
+<file path=ppt/ink/ink3.xml><?xml version="1.0" encoding="utf-8"?>
 <inkml:ink xmlns:inkml="http://www.w3.org/2003/InkML">
   <inkml:definitions>
     <inkml:context xml:id="ctx0">
@@ -616,7 +224,7 @@
 </inkml:ink>
 </file>
 
-<file path=ppt/ink/ink25.xml><?xml version="1.0" encoding="utf-8"?>
+<file path=ppt/ink/ink4.xml><?xml version="1.0" encoding="utf-8"?>
 <inkml:ink xmlns:inkml="http://www.w3.org/2003/InkML">
   <inkml:definitions>
     <inkml:context xml:id="ctx0">
@@ -644,7 +252,7 @@
 </inkml:ink>
 </file>
 
-<file path=ppt/ink/ink26.xml><?xml version="1.0" encoding="utf-8"?>
+<file path=ppt/ink/ink5.xml><?xml version="1.0" encoding="utf-8"?>
 <inkml:ink xmlns:inkml="http://www.w3.org/2003/InkML">
   <inkml:definitions>
     <inkml:context xml:id="ctx0">
@@ -672,7 +280,7 @@
 </inkml:ink>
 </file>
 
-<file path=ppt/ink/ink27.xml><?xml version="1.0" encoding="utf-8"?>
+<file path=ppt/ink/ink6.xml><?xml version="1.0" encoding="utf-8"?>
 <inkml:ink xmlns:inkml="http://www.w3.org/2003/InkML">
   <inkml:definitions>
     <inkml:context xml:id="ctx0">
@@ -701,7 +309,7 @@
 </inkml:ink>
 </file>
 
-<file path=ppt/ink/ink28.xml><?xml version="1.0" encoding="utf-8"?>
+<file path=ppt/ink/ink7.xml><?xml version="1.0" encoding="utf-8"?>
 <inkml:ink xmlns:inkml="http://www.w3.org/2003/InkML">
   <inkml:definitions>
     <inkml:context xml:id="ctx0">
@@ -732,202 +340,6 @@
 </inkml:ink>
 </file>
 
-<file path=ppt/ink/ink3.xml><?xml version="1.0" encoding="utf-8"?>
-<inkml:ink xmlns:inkml="http://www.w3.org/2003/InkML">
-  <inkml:definitions>
-    <inkml:context xml:id="ctx0">
-      <inkml:inkSource xml:id="inkSrc0">
-        <inkml:traceFormat>
-          <inkml:channel name="X" type="integer" min="-2.14748E9" max="2.14748E9" units="cm"/>
-          <inkml:channel name="Y" type="integer" min="-2.14748E9" max="2.14748E9" units="cm"/>
-          <inkml:channel name="F" type="integer" max="32767" units="dev"/>
-        </inkml:traceFormat>
-        <inkml:channelProperties>
-          <inkml:channelProperty channel="X" name="resolution" value="1000" units="1/cm"/>
-          <inkml:channelProperty channel="Y" name="resolution" value="1000" units="1/cm"/>
-          <inkml:channelProperty channel="F" name="resolution" value="0" units="1/dev"/>
-        </inkml:channelProperties>
-      </inkml:inkSource>
-      <inkml:timestamp xml:id="ts0" timeString="2022-09-27T01:04:15.316"/>
-    </inkml:context>
-    <inkml:brush xml:id="br0">
-      <inkml:brushProperty name="width" value="0.05" units="cm"/>
-      <inkml:brushProperty name="height" value="0.05" units="cm"/>
-      <inkml:brushProperty name="color" value="#E71224"/>
-    </inkml:brush>
-  </inkml:definitions>
-  <inkml:trace contextRef="#ctx0" brushRef="#br0">6258 41 24575,'-3181'0'0,"2855"-18"0,41-1 0,-1091 16 0,709 6 0,567-5 0,-112 5 0,208-3 0,0 1 0,1 0 0,-1-1 0,0 2 0,1-1 0,-1 0 0,1 1 0,-1-1 0,1 1 0,0 0 0,0 0 0,0 0 0,0 1 0,0-1 0,0 1 0,1 0 0,-3 3 0,0 1 0,1 0 0,-1 0 0,1 0 0,1 1 0,0-1 0,0 1 0,-3 12 0,1 10 0,0 0 0,2 0 0,0 36 0,3-65 0,0 27 0,4 290 0,-2-303 0,1 0 0,0 0 0,1 0 0,1-1 0,0 1 0,1-1 0,0 0 0,1-1 0,1 0 0,0 0 0,1 0 0,0-1 0,1-1 0,0 1 0,23 18 0,-18-18 0,0 0 0,1-2 0,0 1 0,1-2 0,0 0 0,0-1 0,1-1 0,0 0 0,0-2 0,1 0 0,-1-1 0,28 3 0,148-4 0,-121-4 0,0 3 0,86 13 0,356 41 0,-130-20 0,-195-14 0,204-4 0,463-21 0,-473 5 0,-336 0 0,73 13 0,11 1 0,503-9 0,-350-10 0,610 3-1365,-870 0-5461</inkml:trace>
-</inkml:ink>
-</file>
-
-<file path=ppt/ink/ink4.xml><?xml version="1.0" encoding="utf-8"?>
-<inkml:ink xmlns:inkml="http://www.w3.org/2003/InkML">
-  <inkml:definitions>
-    <inkml:context xml:id="ctx0">
-      <inkml:inkSource xml:id="inkSrc0">
-        <inkml:traceFormat>
-          <inkml:channel name="X" type="integer" min="-2.14748E9" max="2.14748E9" units="cm"/>
-          <inkml:channel name="Y" type="integer" min="-2.14748E9" max="2.14748E9" units="cm"/>
-          <inkml:channel name="F" type="integer" max="32767" units="dev"/>
-        </inkml:traceFormat>
-        <inkml:channelProperties>
-          <inkml:channelProperty channel="X" name="resolution" value="1000" units="1/cm"/>
-          <inkml:channelProperty channel="Y" name="resolution" value="1000" units="1/cm"/>
-          <inkml:channelProperty channel="F" name="resolution" value="0" units="1/dev"/>
-        </inkml:channelProperties>
-      </inkml:inkSource>
-      <inkml:timestamp xml:id="ts0" timeString="2022-09-27T01:04:23.084"/>
-    </inkml:context>
-    <inkml:brush xml:id="br0">
-      <inkml:brushProperty name="width" value="0.05" units="cm"/>
-      <inkml:brushProperty name="height" value="0.05" units="cm"/>
-      <inkml:brushProperty name="color" value="#E71224"/>
-    </inkml:brush>
-  </inkml:definitions>
-  <inkml:trace contextRef="#ctx0" brushRef="#br0">22325 0 24575,'3023'0'0,"-2947"4"0,93 16 0,-118-13 0,-11 0 0,0 2 0,0 2 0,59 24 0,107 60 0,-196-90 0,0 1 0,0 0 0,0 1 0,0 0 0,-1 0 0,0 1 0,-1 0 0,0 0 0,0 1 0,9 14 0,-7-6 0,-1 0 0,-1 0 0,-1 1 0,0 0 0,6 29 0,-2 3 0,-2 1 0,4 82 0,-11 104 0,-3-135 0,2-96 0,-1 1 0,0 0 0,0 0 0,-1 0 0,0 0 0,0 0 0,-1 0 0,0-1 0,0 1 0,0-1 0,-1 1 0,0-1 0,0 0 0,-1 0 0,1 0 0,-1 0 0,-1-1 0,1 0 0,-1 0 0,0 0 0,0 0 0,0-1 0,-1 1 0,0-1 0,0-1 0,0 1 0,0-1 0,0 0 0,-8 2 0,-25 9 0,-1-2 0,0-2 0,-1-1 0,0-3 0,-47 3 0,-215-8 0,163-4 0,81 5 0,-88 16 0,-44 1 0,135-18 0,-189 13 0,56 3 0,-309-10 0,272-9 0,-14595 2 0,14060-45 0,490 23 0,-106-14 0,319 25 0,-108-35 0,2 0 0,137 40 0,-53-12 0,-1 3 0,-143-8 0,-1175 23 0,592 3 0,-653-3 0,1170 24 0,184-11 0,-168 24 0,173-19 0,64-10 0,-2-2 0,-49 2 0,-164 11 0,5 0 0,191-18 0,-1 2 0,0 2 0,-90 21 0,70-10 0,-2-4 0,-136 3 0,14-1 0,3 11 0,-68 6 0,222-27 0,-80 19 0,97-18-455,0-1 0,-50 2 0,46-6-6371</inkml:trace>
-</inkml:ink>
-</file>
-
-<file path=ppt/ink/ink5.xml><?xml version="1.0" encoding="utf-8"?>
-<inkml:ink xmlns:inkml="http://www.w3.org/2003/InkML">
-  <inkml:definitions>
-    <inkml:context xml:id="ctx0">
-      <inkml:inkSource xml:id="inkSrc0">
-        <inkml:traceFormat>
-          <inkml:channel name="X" type="integer" min="-2.14748E9" max="2.14748E9" units="cm"/>
-          <inkml:channel name="Y" type="integer" min="-2.14748E9" max="2.14748E9" units="cm"/>
-          <inkml:channel name="F" type="integer" max="32767" units="dev"/>
-        </inkml:traceFormat>
-        <inkml:channelProperties>
-          <inkml:channelProperty channel="X" name="resolution" value="1000" units="1/cm"/>
-          <inkml:channelProperty channel="Y" name="resolution" value="1000" units="1/cm"/>
-          <inkml:channelProperty channel="F" name="resolution" value="0" units="1/dev"/>
-        </inkml:channelProperties>
-      </inkml:inkSource>
-      <inkml:timestamp xml:id="ts0" timeString="2022-09-27T01:04:40.989"/>
-    </inkml:context>
-    <inkml:brush xml:id="br0">
-      <inkml:brushProperty name="width" value="0.05" units="cm"/>
-      <inkml:brushProperty name="height" value="0.05" units="cm"/>
-      <inkml:brushProperty name="color" value="#E71224"/>
-    </inkml:brush>
-  </inkml:definitions>
-  <inkml:trace contextRef="#ctx0" brushRef="#br0">1486 0 24575,'-706'0'0,"685"1"0,1 1 0,0 1 0,0 0 0,0 2 0,0 0 0,1 1 0,0 2 0,-22 10 0,-21 15 0,-61 43 0,21-12 0,85-54 0,2 0 0,-1 1 0,1 1 0,1 0 0,0 1 0,1 1 0,0 0 0,1 0 0,1 1 0,0 1 0,1 0 0,1 0 0,-13 33 0,9-20 0,1 0 0,2 1 0,-11 47 0,10-19 0,-1-3 0,3-1 0,-3 59 0,11-98 0,1 0 0,1-1 0,0 1 0,1-1 0,0 1 0,1-1 0,1 1 0,0-1 0,1 0 0,0-1 0,2 1 0,12 21 0,-12-26 0,1 0 0,0 0 0,1-1 0,0 0 0,0-1 0,0 0 0,1 0 0,0-1 0,1 0 0,-1-1 0,1 0 0,22 7 0,9-1 0,0-1 0,52 4 0,-63-10 0,115 10-208,223-8-1,-278-7-739,-41 0-5878</inkml:trace>
-</inkml:ink>
-</file>
-
-<file path=ppt/ink/ink6.xml><?xml version="1.0" encoding="utf-8"?>
-<inkml:ink xmlns:inkml="http://www.w3.org/2003/InkML">
-  <inkml:definitions>
-    <inkml:context xml:id="ctx0">
-      <inkml:inkSource xml:id="inkSrc0">
-        <inkml:traceFormat>
-          <inkml:channel name="X" type="integer" min="-2.14748E9" max="2.14748E9" units="cm"/>
-          <inkml:channel name="Y" type="integer" min="-2.14748E9" max="2.14748E9" units="cm"/>
-          <inkml:channel name="F" type="integer" max="32767" units="dev"/>
-        </inkml:traceFormat>
-        <inkml:channelProperties>
-          <inkml:channelProperty channel="X" name="resolution" value="1000" units="1/cm"/>
-          <inkml:channelProperty channel="Y" name="resolution" value="1000" units="1/cm"/>
-          <inkml:channelProperty channel="F" name="resolution" value="0" units="1/dev"/>
-        </inkml:channelProperties>
-      </inkml:inkSource>
-      <inkml:timestamp xml:id="ts0" timeString="2022-09-27T01:04:44.076"/>
-    </inkml:context>
-    <inkml:brush xml:id="br0">
-      <inkml:brushProperty name="width" value="0.05" units="cm"/>
-      <inkml:brushProperty name="height" value="0.05" units="cm"/>
-      <inkml:brushProperty name="color" value="#E71224"/>
-    </inkml:brush>
-  </inkml:definitions>
-  <inkml:trace contextRef="#ctx0" brushRef="#br0">23656 1 24575,'23'1'0,"-1"1"0,1 1 0,-1 1 0,0 1 0,0 1 0,0 1 0,-1 1 0,0 0 0,20 13 0,23 15 0,83 64 0,-131-88 0,0 0 0,-1 1 0,-1 0 0,0 1 0,0 1 0,-2 0 0,0 0 0,-1 2 0,0-1 0,-1 1 0,-1 1 0,-1 0 0,-1 0 0,0 1 0,-1 0 0,-1 0 0,-1 0 0,0 0 0,0 26 0,-1 0 0,-1 0 0,-8 68 0,5-99 0,-2-1 0,0 1 0,0 0 0,-1-1 0,-1 0 0,0 0 0,-1 0 0,0 0 0,-1-1 0,-1 0 0,0-1 0,-10 13 0,0-6 0,-1 0 0,-1-2 0,0 0 0,-1-1 0,0-1 0,-32 15 0,-147 54 0,66-30 0,85-33 0,-1-3 0,-1-1 0,0-3 0,-1-2 0,0-2 0,-1-3 0,-102 0 0,-173-9 0,-1574 0 0,1085 56 0,183-6 0,-1226-31 0,1156-20 0,-11013 4 0,11487-17 0,49 1 0,-23 11 0,56 3 0,-173-26 0,-122-31 0,-754-4 0,972 65 0,-401-4 0,233-34 0,12 0 0,-224 32 26,343 5-1417,233-1-5435</inkml:trace>
-</inkml:ink>
-</file>
-
-<file path=ppt/ink/ink7.xml><?xml version="1.0" encoding="utf-8"?>
-<inkml:ink xmlns:inkml="http://www.w3.org/2003/InkML">
-  <inkml:definitions>
-    <inkml:context xml:id="ctx0">
-      <inkml:inkSource xml:id="inkSrc0">
-        <inkml:traceFormat>
-          <inkml:channel name="X" type="integer" min="-2.14748E9" max="2.14748E9" units="cm"/>
-          <inkml:channel name="Y" type="integer" min="-2.14748E9" max="2.14748E9" units="cm"/>
-          <inkml:channel name="F" type="integer" max="32767" units="dev"/>
-        </inkml:traceFormat>
-        <inkml:channelProperties>
-          <inkml:channelProperty channel="X" name="resolution" value="1000" units="1/cm"/>
-          <inkml:channelProperty channel="Y" name="resolution" value="1000" units="1/cm"/>
-          <inkml:channelProperty channel="F" name="resolution" value="0" units="1/dev"/>
-        </inkml:channelProperties>
-      </inkml:inkSource>
-      <inkml:timestamp xml:id="ts0" timeString="2022-09-27T01:03:55.521"/>
-    </inkml:context>
-    <inkml:brush xml:id="br0">
-      <inkml:brushProperty name="width" value="0.05" units="cm"/>
-      <inkml:brushProperty name="height" value="0.05" units="cm"/>
-      <inkml:brushProperty name="color" value="#E71224"/>
-    </inkml:brush>
-  </inkml:definitions>
-  <inkml:trace contextRef="#ctx0" brushRef="#br0">41 167 24575,'0'11'0,"-2"-1"0,1 0 0,-1 1 0,-5 15 0,-4 21 0,-1 74 0,6 203 0,7-237 0,0-78 0,-1 0 0,1 1 0,0-1 0,1 0 0,0 0 0,1 0 0,0 0 0,0 0 0,1-1 0,0 0 0,0 1 0,1-1 0,0-1 0,8 10 0,-3-7 0,0 0 0,0 0 0,1-1 0,0-1 0,1 0 0,0 0 0,0-1 0,23 9 0,-8-6 0,0-1 0,0-2 0,1 0 0,0-2 0,0-1 0,1-2 0,-1 0 0,53-5 0,-70 2 0,0-1 0,0 0 0,-1-1 0,1 0 0,-1 0 0,0-1 0,1-1 0,-2 1 0,1-2 0,-1 1 0,0-1 0,0-1 0,0 0 0,9-10 0,-7 5 0,0-1 0,-1-1 0,-1 0 0,0 0 0,-1-1 0,0 0 0,-1-1 0,7-22 0,0-17 0,-3 0 0,-2-1 0,-2 0 0,-1-81 0,-14-338-1365,7 453-5461</inkml:trace>
-</inkml:ink>
-</file>
-
-<file path=ppt/ink/ink8.xml><?xml version="1.0" encoding="utf-8"?>
-<inkml:ink xmlns:inkml="http://www.w3.org/2003/InkML">
-  <inkml:definitions>
-    <inkml:context xml:id="ctx0">
-      <inkml:inkSource xml:id="inkSrc0">
-        <inkml:traceFormat>
-          <inkml:channel name="X" type="integer" min="-2.14748E9" max="2.14748E9" units="cm"/>
-          <inkml:channel name="Y" type="integer" min="-2.14748E9" max="2.14748E9" units="cm"/>
-          <inkml:channel name="F" type="integer" max="32767" units="dev"/>
-        </inkml:traceFormat>
-        <inkml:channelProperties>
-          <inkml:channelProperty channel="X" name="resolution" value="1000" units="1/cm"/>
-          <inkml:channelProperty channel="Y" name="resolution" value="1000" units="1/cm"/>
-          <inkml:channelProperty channel="F" name="resolution" value="0" units="1/dev"/>
-        </inkml:channelProperties>
-      </inkml:inkSource>
-      <inkml:timestamp xml:id="ts0" timeString="2022-09-27T01:03:57.063"/>
-    </inkml:context>
-    <inkml:brush xml:id="br0">
-      <inkml:brushProperty name="width" value="0.05" units="cm"/>
-      <inkml:brushProperty name="height" value="0.05" units="cm"/>
-      <inkml:brushProperty name="color" value="#E71224"/>
-    </inkml:brush>
-  </inkml:definitions>
-  <inkml:trace contextRef="#ctx0" brushRef="#br0">374 112 24575,'0'-1'0,"0"0"0,0 1 0,0-1 0,0 0 0,-1 1 0,1-1 0,0 1 0,0-1 0,0 0 0,-1 1 0,1-1 0,0 1 0,-1-1 0,1 1 0,-1-1 0,1 1 0,-1-1 0,1 1 0,-1-1 0,1 1 0,-1-1 0,1 1 0,-1 0 0,1-1 0,-1 1 0,1 0 0,-1 0 0,0-1 0,1 1 0,-1 0 0,0 0 0,1 0 0,-1 0 0,0 0 0,1 0 0,-1 0 0,0 0 0,1 0 0,-1 0 0,0 0 0,1 0 0,-1 1 0,1-1 0,-1 0 0,0 0 0,1 1 0,-1-1 0,1 0 0,-1 1 0,1-1 0,-1 1 0,-37 20 0,-8 14 0,2 3 0,-53 58 0,66-65 0,19-19 0,1 0 0,0 1 0,1 0 0,0 1 0,1 0 0,-12 25 0,19-36 0,1 0 0,0 0 0,0 1 0,0-1 0,0 0 0,0 0 0,1 1 0,0-1 0,-1 0 0,1 1 0,1-1 0,-1 0 0,0 1 0,1-1 0,-1 0 0,1 0 0,0 0 0,0 1 0,0-1 0,1 0 0,-1 0 0,1 0 0,0-1 0,0 1 0,-1 0 0,2-1 0,-1 1 0,0-1 0,1 1 0,-1-1 0,1 0 0,-1 0 0,1 0 0,0-1 0,0 1 0,0-1 0,0 1 0,0-1 0,6 1 0,22 8 0,0-3 0,1 0 0,-1-2 0,54 2 0,-21-2 0,-14-1 0,94 14 0,-127-15 0,-1 1 0,0 1 0,0 0 0,0 1 0,-1 1 0,21 12 0,-31-16 0,0 1 0,0 0 0,0 0 0,-1 0 0,1 0 0,-1 1 0,0 0 0,0-1 0,4 9 0,-7-12 0,0 1 0,0 0 0,-1 0 0,1 0 0,0-1 0,-1 1 0,1 0 0,-1 0 0,0 0 0,1 0 0,-1 0 0,0 0 0,0 0 0,0 0 0,-1 0 0,1 0 0,0 0 0,-1 0 0,1 0 0,-1 0 0,0-1 0,0 1 0,1 0 0,-1 0 0,0-1 0,-1 1 0,1 0 0,0-1 0,0 1 0,-1-1 0,-2 3 0,-7 5 0,-1 0 0,0-1 0,-1 0 0,1-1 0,-27 10 0,31-17 0,20-10 0,26-15 0,-2 3 0,180-117 0,-172 108 0,-2-3 0,68-68 0,-98 89 0,-1-1 0,0-1 0,-1 0 0,-1-1 0,-1 0 0,8-18 0,29-101 0,-12 28 0,-28 102 0,-3 17 0,-2 19 0,-3 40 0,0-45 0,1 0 0,2 0 0,1 1 0,0-1 0,8 32 0,-8-54 0,1 0 0,-1 0 0,1-1 0,0 1 0,0 0 0,1-1 0,-1 0 0,1 0 0,-1 1 0,1-2 0,0 1 0,0 0 0,1 0 0,-1-1 0,0 0 0,1 0 0,-1 0 0,1 0 0,0 0 0,0-1 0,0 0 0,0 1 0,0-2 0,0 1 0,7 0 0,11 1 0,1 0 0,-1-2 0,37-5 0,-24 2 0,-21 2 0,0-2 0,0 1 0,0-2 0,0 0 0,-1-1 0,1 0 0,-1-1 0,0 0 0,-1-1 0,0 0 0,0-1 0,0-1 0,-1 0 0,0 0 0,-1-1 0,0-1 0,8-11 0,1-2 0,-2 0 0,-1-1 0,-1-1 0,-1 0 0,-1-1 0,-2-1 0,10-31 0,-21 185 0,-5 12 0,6-458-1365,-1 284-5461</inkml:trace>
-</inkml:ink>
-</file>
-
-<file path=ppt/ink/ink9.xml><?xml version="1.0" encoding="utf-8"?>
-<inkml:ink xmlns:inkml="http://www.w3.org/2003/InkML">
-  <inkml:definitions>
-    <inkml:context xml:id="ctx0">
-      <inkml:inkSource xml:id="inkSrc0">
-        <inkml:traceFormat>
-          <inkml:channel name="X" type="integer" min="-2.14748E9" max="2.14748E9" units="cm"/>
-          <inkml:channel name="Y" type="integer" min="-2.14748E9" max="2.14748E9" units="cm"/>
-          <inkml:channel name="F" type="integer" max="32767" units="dev"/>
-        </inkml:traceFormat>
-        <inkml:channelProperties>
-          <inkml:channelProperty channel="X" name="resolution" value="1000" units="1/cm"/>
-          <inkml:channelProperty channel="Y" name="resolution" value="1000" units="1/cm"/>
-          <inkml:channelProperty channel="F" name="resolution" value="0" units="1/dev"/>
-        </inkml:channelProperties>
-      </inkml:inkSource>
-      <inkml:timestamp xml:id="ts0" timeString="2022-09-27T01:03:57.564"/>
-    </inkml:context>
-    <inkml:brush xml:id="br0">
-      <inkml:brushProperty name="width" value="0.05" units="cm"/>
-      <inkml:brushProperty name="height" value="0.05" units="cm"/>
-      <inkml:brushProperty name="color" value="#E71224"/>
-    </inkml:brush>
-  </inkml:definitions>
-  <inkml:trace contextRef="#ctx0" brushRef="#br0">1 1 24575,'7'0'0,"8"6"0,1 2-8191</inkml:trace>
-</inkml:ink>
-</file>
-
 <file path=ppt/notesMasters/notesMaster1.xml><?xml version="1.0" encoding="utf-8"?>
 <p:notesMaster xmlns:a="http://schemas.openxmlformats.org/drawingml/2006/main" xmlns:r="http://schemas.openxmlformats.org/officeDocument/2006/relationships" xmlns:p="http://schemas.openxmlformats.org/presentationml/2006/main">
   <p:cSld>
@@ -1010,7 +422,7 @@
           <a:p>
             <a:fld id="{1DF8EB0A-3D88-47AF-8B37-7E6EB8CD0DC9}" type="datetimeFigureOut">
               <a:rPr lang="vi-VN" smtClean="0"/>
-              <a:t>03/10/2022</a:t>
+              <a:t>22/09/2023</a:t>
             </a:fld>
             <a:endParaRPr lang="vi-VN"/>
           </a:p>
@@ -1424,7 +836,7 @@
           <a:p>
             <a:fld id="{EB8135D3-0DC7-472E-9E95-8EBB926A0EB6}" type="datetime1">
               <a:rPr lang="vi-VN" smtClean="0"/>
-              <a:t>03/10/2022</a:t>
+              <a:t>22/09/2023</a:t>
             </a:fld>
             <a:endParaRPr lang="vi-VN"/>
           </a:p>
@@ -1622,7 +1034,7 @@
           <a:p>
             <a:fld id="{8596560B-899E-429A-84F2-41ABFB82A5A9}" type="datetime1">
               <a:rPr lang="vi-VN" smtClean="0"/>
-              <a:t>03/10/2022</a:t>
+              <a:t>22/09/2023</a:t>
             </a:fld>
             <a:endParaRPr lang="vi-VN"/>
           </a:p>
@@ -1830,7 +1242,7 @@
           <a:p>
             <a:fld id="{1709AC3F-2674-49D3-A873-07AA9E5DCF06}" type="datetime1">
               <a:rPr lang="vi-VN" smtClean="0"/>
-              <a:t>03/10/2022</a:t>
+              <a:t>22/09/2023</a:t>
             </a:fld>
             <a:endParaRPr lang="vi-VN"/>
           </a:p>
@@ -2028,7 +1440,7 @@
           <a:p>
             <a:fld id="{6D500D8F-B0AE-4366-9341-7B6F0640C2BE}" type="datetime1">
               <a:rPr lang="vi-VN" smtClean="0"/>
-              <a:t>03/10/2022</a:t>
+              <a:t>22/09/2023</a:t>
             </a:fld>
             <a:endParaRPr lang="vi-VN"/>
           </a:p>
@@ -2303,7 +1715,7 @@
           <a:p>
             <a:fld id="{13C0DA7A-F9FE-4C1E-A471-7C38F755C552}" type="datetime1">
               <a:rPr lang="vi-VN" smtClean="0"/>
-              <a:t>03/10/2022</a:t>
+              <a:t>22/09/2023</a:t>
             </a:fld>
             <a:endParaRPr lang="vi-VN"/>
           </a:p>
@@ -2568,7 +1980,7 @@
           <a:p>
             <a:fld id="{D9A61B5A-4066-4776-A7F8-F246FF6DE426}" type="datetime1">
               <a:rPr lang="vi-VN" smtClean="0"/>
-              <a:t>03/10/2022</a:t>
+              <a:t>22/09/2023</a:t>
             </a:fld>
             <a:endParaRPr lang="vi-VN"/>
           </a:p>
@@ -2980,7 +2392,7 @@
           <a:p>
             <a:fld id="{431C399D-8096-48E3-98E2-6EA85002E14F}" type="datetime1">
               <a:rPr lang="vi-VN" smtClean="0"/>
-              <a:t>03/10/2022</a:t>
+              <a:t>22/09/2023</a:t>
             </a:fld>
             <a:endParaRPr lang="vi-VN"/>
           </a:p>
@@ -3121,7 +2533,7 @@
           <a:p>
             <a:fld id="{F1836DE2-13AF-4AB3-8918-00D6109ABC25}" type="datetime1">
               <a:rPr lang="vi-VN" smtClean="0"/>
-              <a:t>03/10/2022</a:t>
+              <a:t>22/09/2023</a:t>
             </a:fld>
             <a:endParaRPr lang="vi-VN"/>
           </a:p>
@@ -3234,7 +2646,7 @@
           <a:p>
             <a:fld id="{0A8FCF89-8CC3-4338-8ED2-C415082D670C}" type="datetime1">
               <a:rPr lang="vi-VN" smtClean="0"/>
-              <a:t>03/10/2022</a:t>
+              <a:t>22/09/2023</a:t>
             </a:fld>
             <a:endParaRPr lang="vi-VN"/>
           </a:p>
@@ -3545,7 +2957,7 @@
           <a:p>
             <a:fld id="{9B246DAD-E1C2-4AE1-9631-2D4DF36CDBB1}" type="datetime1">
               <a:rPr lang="vi-VN" smtClean="0"/>
-              <a:t>03/10/2022</a:t>
+              <a:t>22/09/2023</a:t>
             </a:fld>
             <a:endParaRPr lang="vi-VN"/>
           </a:p>
@@ -3833,7 +3245,7 @@
           <a:p>
             <a:fld id="{EEC90FF2-7BE5-44CC-AFD7-2A4F808E557C}" type="datetime1">
               <a:rPr lang="vi-VN" smtClean="0"/>
-              <a:t>03/10/2022</a:t>
+              <a:t>22/09/2023</a:t>
             </a:fld>
             <a:endParaRPr lang="vi-VN"/>
           </a:p>
@@ -4074,7 +3486,7 @@
           <a:p>
             <a:fld id="{BE99BEBD-4040-4E3E-861A-483E2C55E883}" type="datetime1">
               <a:rPr lang="vi-VN" smtClean="0"/>
-              <a:t>03/10/2022</a:t>
+              <a:t>22/09/2023</a:t>
             </a:fld>
             <a:endParaRPr lang="vi-VN"/>
           </a:p>
@@ -22147,1098 +21559,6 @@
           </a:p>
         </p:txBody>
       </p:sp>
-      <mc:AlternateContent xmlns:mc="http://schemas.openxmlformats.org/markup-compatibility/2006" xmlns:p14="http://schemas.microsoft.com/office/powerpoint/2010/main">
-        <mc:Choice Requires="p14">
-          <p:contentPart p14:bwMode="auto" r:id="rId2">
-            <p14:nvContentPartPr>
-              <p14:cNvPr id="5" name="Viết tay 4">
-                <a:extLst>
-                  <a:ext uri="{FF2B5EF4-FFF2-40B4-BE49-F238E27FC236}">
-                    <a16:creationId xmlns:a16="http://schemas.microsoft.com/office/drawing/2014/main" id="{9F92C101-DDA5-F2F8-9D46-9488763E7845}"/>
-                  </a:ext>
-                </a:extLst>
-              </p14:cNvPr>
-              <p14:cNvContentPartPr/>
-              <p14:nvPr/>
-            </p14:nvContentPartPr>
-            <p14:xfrm>
-              <a:off x="1064332" y="2210002"/>
-              <a:ext cx="7947000" cy="602640"/>
-            </p14:xfrm>
-          </p:contentPart>
-        </mc:Choice>
-        <mc:Fallback xmlns="">
-          <p:pic>
-            <p:nvPicPr>
-              <p:cNvPr id="5" name="Viết tay 4">
-                <a:extLst>
-                  <a:ext uri="{FF2B5EF4-FFF2-40B4-BE49-F238E27FC236}">
-                    <a16:creationId xmlns:a16="http://schemas.microsoft.com/office/drawing/2014/main" id="{9F92C101-DDA5-F2F8-9D46-9488763E7845}"/>
-                  </a:ext>
-                </a:extLst>
-              </p:cNvPr>
-              <p:cNvPicPr/>
-              <p:nvPr/>
-            </p:nvPicPr>
-            <p:blipFill>
-              <a:blip r:embed="rId3"/>
-              <a:stretch>
-                <a:fillRect/>
-              </a:stretch>
-            </p:blipFill>
-            <p:spPr>
-              <a:xfrm>
-                <a:off x="1055692" y="2201002"/>
-                <a:ext cx="7964640" cy="620280"/>
-              </a:xfrm>
-              <a:prstGeom prst="rect">
-                <a:avLst/>
-              </a:prstGeom>
-            </p:spPr>
-          </p:pic>
-        </mc:Fallback>
-      </mc:AlternateContent>
-      <mc:AlternateContent xmlns:mc="http://schemas.openxmlformats.org/markup-compatibility/2006" xmlns:p14="http://schemas.microsoft.com/office/powerpoint/2010/main">
-        <mc:Choice Requires="p14">
-          <p:contentPart p14:bwMode="auto" r:id="rId4">
-            <p14:nvContentPartPr>
-              <p14:cNvPr id="11" name="Viết tay 10">
-                <a:extLst>
-                  <a:ext uri="{FF2B5EF4-FFF2-40B4-BE49-F238E27FC236}">
-                    <a16:creationId xmlns:a16="http://schemas.microsoft.com/office/drawing/2014/main" id="{1A88C8FE-0E3D-4AB4-141E-C18F7E06838A}"/>
-                  </a:ext>
-                </a:extLst>
-              </p14:cNvPr>
-              <p14:cNvContentPartPr/>
-              <p14:nvPr/>
-            </p14:nvContentPartPr>
-            <p14:xfrm>
-              <a:off x="2988172" y="5061202"/>
-              <a:ext cx="707400" cy="29520"/>
-            </p14:xfrm>
-          </p:contentPart>
-        </mc:Choice>
-        <mc:Fallback xmlns="">
-          <p:pic>
-            <p:nvPicPr>
-              <p:cNvPr id="11" name="Viết tay 10">
-                <a:extLst>
-                  <a:ext uri="{FF2B5EF4-FFF2-40B4-BE49-F238E27FC236}">
-                    <a16:creationId xmlns:a16="http://schemas.microsoft.com/office/drawing/2014/main" id="{1A88C8FE-0E3D-4AB4-141E-C18F7E06838A}"/>
-                  </a:ext>
-                </a:extLst>
-              </p:cNvPr>
-              <p:cNvPicPr/>
-              <p:nvPr/>
-            </p:nvPicPr>
-            <p:blipFill>
-              <a:blip r:embed="rId5"/>
-              <a:stretch>
-                <a:fillRect/>
-              </a:stretch>
-            </p:blipFill>
-            <p:spPr>
-              <a:xfrm>
-                <a:off x="2979532" y="5052202"/>
-                <a:ext cx="725040" cy="47160"/>
-              </a:xfrm>
-              <a:prstGeom prst="rect">
-                <a:avLst/>
-              </a:prstGeom>
-            </p:spPr>
-          </p:pic>
-        </mc:Fallback>
-      </mc:AlternateContent>
-      <mc:AlternateContent xmlns:mc="http://schemas.openxmlformats.org/markup-compatibility/2006" xmlns:p14="http://schemas.microsoft.com/office/powerpoint/2010/main">
-        <mc:Choice Requires="p14">
-          <p:contentPart p14:bwMode="auto" r:id="rId6">
-            <p14:nvContentPartPr>
-              <p14:cNvPr id="12" name="Viết tay 11">
-                <a:extLst>
-                  <a:ext uri="{FF2B5EF4-FFF2-40B4-BE49-F238E27FC236}">
-                    <a16:creationId xmlns:a16="http://schemas.microsoft.com/office/drawing/2014/main" id="{705B9C40-CFEC-9C5C-2A35-8A164165B0C3}"/>
-                  </a:ext>
-                </a:extLst>
-              </p14:cNvPr>
-              <p14:cNvContentPartPr/>
-              <p14:nvPr/>
-            </p14:nvContentPartPr>
-            <p14:xfrm>
-              <a:off x="8951572" y="2346082"/>
-              <a:ext cx="2252880" cy="411480"/>
-            </p14:xfrm>
-          </p:contentPart>
-        </mc:Choice>
-        <mc:Fallback xmlns="">
-          <p:pic>
-            <p:nvPicPr>
-              <p:cNvPr id="12" name="Viết tay 11">
-                <a:extLst>
-                  <a:ext uri="{FF2B5EF4-FFF2-40B4-BE49-F238E27FC236}">
-                    <a16:creationId xmlns:a16="http://schemas.microsoft.com/office/drawing/2014/main" id="{705B9C40-CFEC-9C5C-2A35-8A164165B0C3}"/>
-                  </a:ext>
-                </a:extLst>
-              </p:cNvPr>
-              <p:cNvPicPr/>
-              <p:nvPr/>
-            </p:nvPicPr>
-            <p:blipFill>
-              <a:blip r:embed="rId7"/>
-              <a:stretch>
-                <a:fillRect/>
-              </a:stretch>
-            </p:blipFill>
-            <p:spPr>
-              <a:xfrm>
-                <a:off x="8942932" y="2337442"/>
-                <a:ext cx="2270520" cy="429120"/>
-              </a:xfrm>
-              <a:prstGeom prst="rect">
-                <a:avLst/>
-              </a:prstGeom>
-            </p:spPr>
-          </p:pic>
-        </mc:Fallback>
-      </mc:AlternateContent>
-      <mc:AlternateContent xmlns:mc="http://schemas.openxmlformats.org/markup-compatibility/2006" xmlns:p14="http://schemas.microsoft.com/office/powerpoint/2010/main">
-        <mc:Choice Requires="p14">
-          <p:contentPart p14:bwMode="auto" r:id="rId8">
-            <p14:nvContentPartPr>
-              <p14:cNvPr id="13" name="Viết tay 12">
-                <a:extLst>
-                  <a:ext uri="{FF2B5EF4-FFF2-40B4-BE49-F238E27FC236}">
-                    <a16:creationId xmlns:a16="http://schemas.microsoft.com/office/drawing/2014/main" id="{E8FE3DC4-0D4F-DE94-2D9B-8C365C75537F}"/>
-                  </a:ext>
-                </a:extLst>
-              </p14:cNvPr>
-              <p14:cNvContentPartPr/>
-              <p14:nvPr/>
-            </p14:nvContentPartPr>
-            <p14:xfrm>
-              <a:off x="1093492" y="2701762"/>
-              <a:ext cx="9456480" cy="492480"/>
-            </p14:xfrm>
-          </p:contentPart>
-        </mc:Choice>
-        <mc:Fallback xmlns="">
-          <p:pic>
-            <p:nvPicPr>
-              <p:cNvPr id="13" name="Viết tay 12">
-                <a:extLst>
-                  <a:ext uri="{FF2B5EF4-FFF2-40B4-BE49-F238E27FC236}">
-                    <a16:creationId xmlns:a16="http://schemas.microsoft.com/office/drawing/2014/main" id="{E8FE3DC4-0D4F-DE94-2D9B-8C365C75537F}"/>
-                  </a:ext>
-                </a:extLst>
-              </p:cNvPr>
-              <p:cNvPicPr/>
-              <p:nvPr/>
-            </p:nvPicPr>
-            <p:blipFill>
-              <a:blip r:embed="rId9"/>
-              <a:stretch>
-                <a:fillRect/>
-              </a:stretch>
-            </p:blipFill>
-            <p:spPr>
-              <a:xfrm>
-                <a:off x="1084852" y="2692762"/>
-                <a:ext cx="9474120" cy="510120"/>
-              </a:xfrm>
-              <a:prstGeom prst="rect">
-                <a:avLst/>
-              </a:prstGeom>
-            </p:spPr>
-          </p:pic>
-        </mc:Fallback>
-      </mc:AlternateContent>
-      <mc:AlternateContent xmlns:mc="http://schemas.openxmlformats.org/markup-compatibility/2006" xmlns:p14="http://schemas.microsoft.com/office/powerpoint/2010/main">
-        <mc:Choice Requires="p14">
-          <p:contentPart p14:bwMode="auto" r:id="rId10">
-            <p14:nvContentPartPr>
-              <p14:cNvPr id="22" name="Viết tay 21">
-                <a:extLst>
-                  <a:ext uri="{FF2B5EF4-FFF2-40B4-BE49-F238E27FC236}">
-                    <a16:creationId xmlns:a16="http://schemas.microsoft.com/office/drawing/2014/main" id="{2AA55D83-C69D-F799-7B86-AD69CA787234}"/>
-                  </a:ext>
-                </a:extLst>
-              </p14:cNvPr>
-              <p14:cNvContentPartPr/>
-              <p14:nvPr/>
-            </p14:nvContentPartPr>
-            <p14:xfrm>
-              <a:off x="10492012" y="2701762"/>
-              <a:ext cx="535320" cy="452160"/>
-            </p14:xfrm>
-          </p:contentPart>
-        </mc:Choice>
-        <mc:Fallback xmlns="">
-          <p:pic>
-            <p:nvPicPr>
-              <p:cNvPr id="22" name="Viết tay 21">
-                <a:extLst>
-                  <a:ext uri="{FF2B5EF4-FFF2-40B4-BE49-F238E27FC236}">
-                    <a16:creationId xmlns:a16="http://schemas.microsoft.com/office/drawing/2014/main" id="{2AA55D83-C69D-F799-7B86-AD69CA787234}"/>
-                  </a:ext>
-                </a:extLst>
-              </p:cNvPr>
-              <p:cNvPicPr/>
-              <p:nvPr/>
-            </p:nvPicPr>
-            <p:blipFill>
-              <a:blip r:embed="rId11"/>
-              <a:stretch>
-                <a:fillRect/>
-              </a:stretch>
-            </p:blipFill>
-            <p:spPr>
-              <a:xfrm>
-                <a:off x="10483012" y="2692762"/>
-                <a:ext cx="552960" cy="469800"/>
-              </a:xfrm>
-              <a:prstGeom prst="rect">
-                <a:avLst/>
-              </a:prstGeom>
-            </p:spPr>
-          </p:pic>
-        </mc:Fallback>
-      </mc:AlternateContent>
-      <mc:AlternateContent xmlns:mc="http://schemas.openxmlformats.org/markup-compatibility/2006" xmlns:p14="http://schemas.microsoft.com/office/powerpoint/2010/main">
-        <mc:Choice Requires="p14">
-          <p:contentPart p14:bwMode="auto" r:id="rId12">
-            <p14:nvContentPartPr>
-              <p14:cNvPr id="23" name="Viết tay 22">
-                <a:extLst>
-                  <a:ext uri="{FF2B5EF4-FFF2-40B4-BE49-F238E27FC236}">
-                    <a16:creationId xmlns:a16="http://schemas.microsoft.com/office/drawing/2014/main" id="{3B4C35B7-88C9-3B84-27B9-3718CE516D08}"/>
-                  </a:ext>
-                </a:extLst>
-              </p14:cNvPr>
-              <p14:cNvContentPartPr/>
-              <p14:nvPr/>
-            </p14:nvContentPartPr>
-            <p14:xfrm>
-              <a:off x="1050652" y="3165802"/>
-              <a:ext cx="8751600" cy="506880"/>
-            </p14:xfrm>
-          </p:contentPart>
-        </mc:Choice>
-        <mc:Fallback xmlns="">
-          <p:pic>
-            <p:nvPicPr>
-              <p:cNvPr id="23" name="Viết tay 22">
-                <a:extLst>
-                  <a:ext uri="{FF2B5EF4-FFF2-40B4-BE49-F238E27FC236}">
-                    <a16:creationId xmlns:a16="http://schemas.microsoft.com/office/drawing/2014/main" id="{3B4C35B7-88C9-3B84-27B9-3718CE516D08}"/>
-                  </a:ext>
-                </a:extLst>
-              </p:cNvPr>
-              <p:cNvPicPr/>
-              <p:nvPr/>
-            </p:nvPicPr>
-            <p:blipFill>
-              <a:blip r:embed="rId13"/>
-              <a:stretch>
-                <a:fillRect/>
-              </a:stretch>
-            </p:blipFill>
-            <p:spPr>
-              <a:xfrm>
-                <a:off x="1042012" y="3157162"/>
-                <a:ext cx="8769240" cy="524520"/>
-              </a:xfrm>
-              <a:prstGeom prst="rect">
-                <a:avLst/>
-              </a:prstGeom>
-            </p:spPr>
-          </p:pic>
-        </mc:Fallback>
-      </mc:AlternateContent>
-      <p:grpSp>
-        <p:nvGrpSpPr>
-          <p:cNvPr id="28" name="Nhóm 27">
-            <a:extLst>
-              <a:ext uri="{FF2B5EF4-FFF2-40B4-BE49-F238E27FC236}">
-                <a16:creationId xmlns:a16="http://schemas.microsoft.com/office/drawing/2014/main" id="{7D314C8B-F2C0-7D87-586D-C1D62812D9D7}"/>
-              </a:ext>
-            </a:extLst>
-          </p:cNvPr>
-          <p:cNvGrpSpPr/>
-          <p:nvPr/>
-        </p:nvGrpSpPr>
-        <p:grpSpPr>
-          <a:xfrm>
-            <a:off x="1026532" y="4757002"/>
-            <a:ext cx="3255480" cy="1738440"/>
-            <a:chOff x="1026532" y="4757002"/>
-            <a:chExt cx="3255480" cy="1738440"/>
-          </a:xfrm>
-        </p:grpSpPr>
-        <mc:AlternateContent xmlns:mc="http://schemas.openxmlformats.org/markup-compatibility/2006" xmlns:p14="http://schemas.microsoft.com/office/powerpoint/2010/main">
-          <mc:Choice Requires="p14">
-            <p:contentPart p14:bwMode="auto" r:id="rId14">
-              <p14:nvContentPartPr>
-                <p14:cNvPr id="6" name="Viết tay 5">
-                  <a:extLst>
-                    <a:ext uri="{FF2B5EF4-FFF2-40B4-BE49-F238E27FC236}">
-                      <a16:creationId xmlns:a16="http://schemas.microsoft.com/office/drawing/2014/main" id="{E38B8354-C403-3A44-A458-B34910DF8B3A}"/>
-                    </a:ext>
-                  </a:extLst>
-                </p14:cNvPr>
-                <p14:cNvContentPartPr/>
-                <p14:nvPr/>
-              </p14:nvContentPartPr>
-              <p14:xfrm>
-                <a:off x="1554652" y="4757002"/>
-                <a:ext cx="277560" cy="390600"/>
-              </p14:xfrm>
-            </p:contentPart>
-          </mc:Choice>
-          <mc:Fallback xmlns="">
-            <p:pic>
-              <p:nvPicPr>
-                <p:cNvPr id="6" name="Viết tay 5">
-                  <a:extLst>
-                    <a:ext uri="{FF2B5EF4-FFF2-40B4-BE49-F238E27FC236}">
-                      <a16:creationId xmlns:a16="http://schemas.microsoft.com/office/drawing/2014/main" id="{E38B8354-C403-3A44-A458-B34910DF8B3A}"/>
-                    </a:ext>
-                  </a:extLst>
-                </p:cNvPr>
-                <p:cNvPicPr/>
-                <p:nvPr/>
-              </p:nvPicPr>
-              <p:blipFill>
-                <a:blip r:embed="rId15"/>
-                <a:stretch>
-                  <a:fillRect/>
-                </a:stretch>
-              </p:blipFill>
-              <p:spPr>
-                <a:xfrm>
-                  <a:off x="1545652" y="4748002"/>
-                  <a:ext cx="295200" cy="408240"/>
-                </a:xfrm>
-                <a:prstGeom prst="rect">
-                  <a:avLst/>
-                </a:prstGeom>
-              </p:spPr>
-            </p:pic>
-          </mc:Fallback>
-        </mc:AlternateContent>
-        <mc:AlternateContent xmlns:mc="http://schemas.openxmlformats.org/markup-compatibility/2006" xmlns:p14="http://schemas.microsoft.com/office/powerpoint/2010/main">
-          <mc:Choice Requires="p14">
-            <p:contentPart p14:bwMode="auto" r:id="rId16">
-              <p14:nvContentPartPr>
-                <p14:cNvPr id="7" name="Viết tay 6">
-                  <a:extLst>
-                    <a:ext uri="{FF2B5EF4-FFF2-40B4-BE49-F238E27FC236}">
-                      <a16:creationId xmlns:a16="http://schemas.microsoft.com/office/drawing/2014/main" id="{1F4AE636-939F-9DC5-0E94-18D2622AE864}"/>
-                    </a:ext>
-                  </a:extLst>
-                </p14:cNvPr>
-                <p14:cNvContentPartPr/>
-                <p14:nvPr/>
-              </p14:nvContentPartPr>
-              <p14:xfrm>
-                <a:off x="1857772" y="4872922"/>
-                <a:ext cx="668880" cy="298440"/>
-              </p14:xfrm>
-            </p:contentPart>
-          </mc:Choice>
-          <mc:Fallback xmlns="">
-            <p:pic>
-              <p:nvPicPr>
-                <p:cNvPr id="7" name="Viết tay 6">
-                  <a:extLst>
-                    <a:ext uri="{FF2B5EF4-FFF2-40B4-BE49-F238E27FC236}">
-                      <a16:creationId xmlns:a16="http://schemas.microsoft.com/office/drawing/2014/main" id="{1F4AE636-939F-9DC5-0E94-18D2622AE864}"/>
-                    </a:ext>
-                  </a:extLst>
-                </p:cNvPr>
-                <p:cNvPicPr/>
-                <p:nvPr/>
-              </p:nvPicPr>
-              <p:blipFill>
-                <a:blip r:embed="rId17"/>
-                <a:stretch>
-                  <a:fillRect/>
-                </a:stretch>
-              </p:blipFill>
-              <p:spPr>
-                <a:xfrm>
-                  <a:off x="1848772" y="4863922"/>
-                  <a:ext cx="686520" cy="316080"/>
-                </a:xfrm>
-                <a:prstGeom prst="rect">
-                  <a:avLst/>
-                </a:prstGeom>
-              </p:spPr>
-            </p:pic>
-          </mc:Fallback>
-        </mc:AlternateContent>
-        <mc:AlternateContent xmlns:mc="http://schemas.openxmlformats.org/markup-compatibility/2006" xmlns:p14="http://schemas.microsoft.com/office/powerpoint/2010/main">
-          <mc:Choice Requires="p14">
-            <p:contentPart p14:bwMode="auto" r:id="rId18">
-              <p14:nvContentPartPr>
-                <p14:cNvPr id="8" name="Viết tay 7">
-                  <a:extLst>
-                    <a:ext uri="{FF2B5EF4-FFF2-40B4-BE49-F238E27FC236}">
-                      <a16:creationId xmlns:a16="http://schemas.microsoft.com/office/drawing/2014/main" id="{CEA0ED1E-E25A-0126-535C-5D714B67BF9A}"/>
-                    </a:ext>
-                  </a:extLst>
-                </p14:cNvPr>
-                <p14:cNvContentPartPr/>
-                <p14:nvPr/>
-              </p14:nvContentPartPr>
-              <p14:xfrm>
-                <a:off x="2810692" y="4912882"/>
-                <a:ext cx="14040" cy="5760"/>
-              </p14:xfrm>
-            </p:contentPart>
-          </mc:Choice>
-          <mc:Fallback xmlns="">
-            <p:pic>
-              <p:nvPicPr>
-                <p:cNvPr id="8" name="Viết tay 7">
-                  <a:extLst>
-                    <a:ext uri="{FF2B5EF4-FFF2-40B4-BE49-F238E27FC236}">
-                      <a16:creationId xmlns:a16="http://schemas.microsoft.com/office/drawing/2014/main" id="{CEA0ED1E-E25A-0126-535C-5D714B67BF9A}"/>
-                    </a:ext>
-                  </a:extLst>
-                </p:cNvPr>
-                <p:cNvPicPr/>
-                <p:nvPr/>
-              </p:nvPicPr>
-              <p:blipFill>
-                <a:blip r:embed="rId19"/>
-                <a:stretch>
-                  <a:fillRect/>
-                </a:stretch>
-              </p:blipFill>
-              <p:spPr>
-                <a:xfrm>
-                  <a:off x="2802052" y="4904242"/>
-                  <a:ext cx="31680" cy="23400"/>
-                </a:xfrm>
-                <a:prstGeom prst="rect">
-                  <a:avLst/>
-                </a:prstGeom>
-              </p:spPr>
-            </p:pic>
-          </mc:Fallback>
-        </mc:AlternateContent>
-        <mc:AlternateContent xmlns:mc="http://schemas.openxmlformats.org/markup-compatibility/2006" xmlns:p14="http://schemas.microsoft.com/office/powerpoint/2010/main">
-          <mc:Choice Requires="p14">
-            <p:contentPart p14:bwMode="auto" r:id="rId20">
-              <p14:nvContentPartPr>
-                <p14:cNvPr id="9" name="Viết tay 8">
-                  <a:extLst>
-                    <a:ext uri="{FF2B5EF4-FFF2-40B4-BE49-F238E27FC236}">
-                      <a16:creationId xmlns:a16="http://schemas.microsoft.com/office/drawing/2014/main" id="{020D141D-8490-4512-4EC0-04E1C905A196}"/>
-                    </a:ext>
-                  </a:extLst>
-                </p14:cNvPr>
-                <p14:cNvContentPartPr/>
-                <p14:nvPr/>
-              </p14:nvContentPartPr>
-              <p14:xfrm>
-                <a:off x="2852092" y="5063002"/>
-                <a:ext cx="360" cy="360"/>
-              </p14:xfrm>
-            </p:contentPart>
-          </mc:Choice>
-          <mc:Fallback xmlns="">
-            <p:pic>
-              <p:nvPicPr>
-                <p:cNvPr id="9" name="Viết tay 8">
-                  <a:extLst>
-                    <a:ext uri="{FF2B5EF4-FFF2-40B4-BE49-F238E27FC236}">
-                      <a16:creationId xmlns:a16="http://schemas.microsoft.com/office/drawing/2014/main" id="{020D141D-8490-4512-4EC0-04E1C905A196}"/>
-                    </a:ext>
-                  </a:extLst>
-                </p:cNvPr>
-                <p:cNvPicPr/>
-                <p:nvPr/>
-              </p:nvPicPr>
-              <p:blipFill>
-                <a:blip r:embed="rId21"/>
-                <a:stretch>
-                  <a:fillRect/>
-                </a:stretch>
-              </p:blipFill>
-              <p:spPr>
-                <a:xfrm>
-                  <a:off x="2843452" y="5054362"/>
-                  <a:ext cx="18000" cy="18000"/>
-                </a:xfrm>
-                <a:prstGeom prst="rect">
-                  <a:avLst/>
-                </a:prstGeom>
-              </p:spPr>
-            </p:pic>
-          </mc:Fallback>
-        </mc:AlternateContent>
-        <mc:AlternateContent xmlns:mc="http://schemas.openxmlformats.org/markup-compatibility/2006" xmlns:p14="http://schemas.microsoft.com/office/powerpoint/2010/main">
-          <mc:Choice Requires="p14">
-            <p:contentPart p14:bwMode="auto" r:id="rId22">
-              <p14:nvContentPartPr>
-                <p14:cNvPr id="14" name="Viết tay 13">
-                  <a:extLst>
-                    <a:ext uri="{FF2B5EF4-FFF2-40B4-BE49-F238E27FC236}">
-                      <a16:creationId xmlns:a16="http://schemas.microsoft.com/office/drawing/2014/main" id="{14CB7718-19DE-C928-7655-C98C23146ADF}"/>
-                    </a:ext>
-                  </a:extLst>
-                </p14:cNvPr>
-                <p14:cNvContentPartPr/>
-                <p14:nvPr/>
-              </p14:nvContentPartPr>
-              <p14:xfrm>
-                <a:off x="1650772" y="5363242"/>
-                <a:ext cx="11160" cy="335520"/>
-              </p14:xfrm>
-            </p:contentPart>
-          </mc:Choice>
-          <mc:Fallback xmlns="">
-            <p:pic>
-              <p:nvPicPr>
-                <p:cNvPr id="14" name="Viết tay 13">
-                  <a:extLst>
-                    <a:ext uri="{FF2B5EF4-FFF2-40B4-BE49-F238E27FC236}">
-                      <a16:creationId xmlns:a16="http://schemas.microsoft.com/office/drawing/2014/main" id="{14CB7718-19DE-C928-7655-C98C23146ADF}"/>
-                    </a:ext>
-                  </a:extLst>
-                </p:cNvPr>
-                <p:cNvPicPr/>
-                <p:nvPr/>
-              </p:nvPicPr>
-              <p:blipFill>
-                <a:blip r:embed="rId23"/>
-                <a:stretch>
-                  <a:fillRect/>
-                </a:stretch>
-              </p:blipFill>
-              <p:spPr>
-                <a:xfrm>
-                  <a:off x="1642132" y="5354242"/>
-                  <a:ext cx="28800" cy="353160"/>
-                </a:xfrm>
-                <a:prstGeom prst="rect">
-                  <a:avLst/>
-                </a:prstGeom>
-              </p:spPr>
-            </p:pic>
-          </mc:Fallback>
-        </mc:AlternateContent>
-        <mc:AlternateContent xmlns:mc="http://schemas.openxmlformats.org/markup-compatibility/2006" xmlns:p14="http://schemas.microsoft.com/office/powerpoint/2010/main">
-          <mc:Choice Requires="p14">
-            <p:contentPart p14:bwMode="auto" r:id="rId24">
-              <p14:nvContentPartPr>
-                <p14:cNvPr id="15" name="Viết tay 14">
-                  <a:extLst>
-                    <a:ext uri="{FF2B5EF4-FFF2-40B4-BE49-F238E27FC236}">
-                      <a16:creationId xmlns:a16="http://schemas.microsoft.com/office/drawing/2014/main" id="{43372F79-526B-B2C6-40F3-ECB5378F06AF}"/>
-                    </a:ext>
-                  </a:extLst>
-                </p14:cNvPr>
-                <p14:cNvContentPartPr/>
-                <p14:nvPr/>
-              </p14:nvContentPartPr>
-              <p14:xfrm>
-                <a:off x="1664812" y="5389882"/>
-                <a:ext cx="233280" cy="28440"/>
-              </p14:xfrm>
-            </p:contentPart>
-          </mc:Choice>
-          <mc:Fallback xmlns="">
-            <p:pic>
-              <p:nvPicPr>
-                <p:cNvPr id="15" name="Viết tay 14">
-                  <a:extLst>
-                    <a:ext uri="{FF2B5EF4-FFF2-40B4-BE49-F238E27FC236}">
-                      <a16:creationId xmlns:a16="http://schemas.microsoft.com/office/drawing/2014/main" id="{43372F79-526B-B2C6-40F3-ECB5378F06AF}"/>
-                    </a:ext>
-                  </a:extLst>
-                </p:cNvPr>
-                <p:cNvPicPr/>
-                <p:nvPr/>
-              </p:nvPicPr>
-              <p:blipFill>
-                <a:blip r:embed="rId25"/>
-                <a:stretch>
-                  <a:fillRect/>
-                </a:stretch>
-              </p:blipFill>
-              <p:spPr>
-                <a:xfrm>
-                  <a:off x="1655812" y="5380882"/>
-                  <a:ext cx="250920" cy="46080"/>
-                </a:xfrm>
-                <a:prstGeom prst="rect">
-                  <a:avLst/>
-                </a:prstGeom>
-              </p:spPr>
-            </p:pic>
-          </mc:Fallback>
-        </mc:AlternateContent>
-        <mc:AlternateContent xmlns:mc="http://schemas.openxmlformats.org/markup-compatibility/2006" xmlns:p14="http://schemas.microsoft.com/office/powerpoint/2010/main">
-          <mc:Choice Requires="p14">
-            <p:contentPart p14:bwMode="auto" r:id="rId26">
-              <p14:nvContentPartPr>
-                <p14:cNvPr id="16" name="Viết tay 15">
-                  <a:extLst>
-                    <a:ext uri="{FF2B5EF4-FFF2-40B4-BE49-F238E27FC236}">
-                      <a16:creationId xmlns:a16="http://schemas.microsoft.com/office/drawing/2014/main" id="{26561788-0703-2A5C-0134-14E8BA22BBFB}"/>
-                    </a:ext>
-                  </a:extLst>
-                </p14:cNvPr>
-                <p14:cNvContentPartPr/>
-                <p14:nvPr/>
-              </p14:nvContentPartPr>
-              <p14:xfrm>
-                <a:off x="1719532" y="5554042"/>
-                <a:ext cx="205200" cy="38880"/>
-              </p14:xfrm>
-            </p:contentPart>
-          </mc:Choice>
-          <mc:Fallback xmlns="">
-            <p:pic>
-              <p:nvPicPr>
-                <p:cNvPr id="16" name="Viết tay 15">
-                  <a:extLst>
-                    <a:ext uri="{FF2B5EF4-FFF2-40B4-BE49-F238E27FC236}">
-                      <a16:creationId xmlns:a16="http://schemas.microsoft.com/office/drawing/2014/main" id="{26561788-0703-2A5C-0134-14E8BA22BBFB}"/>
-                    </a:ext>
-                  </a:extLst>
-                </p:cNvPr>
-                <p:cNvPicPr/>
-                <p:nvPr/>
-              </p:nvPicPr>
-              <p:blipFill>
-                <a:blip r:embed="rId27"/>
-                <a:stretch>
-                  <a:fillRect/>
-                </a:stretch>
-              </p:blipFill>
-              <p:spPr>
-                <a:xfrm>
-                  <a:off x="1710532" y="5545402"/>
-                  <a:ext cx="222840" cy="56520"/>
-                </a:xfrm>
-                <a:prstGeom prst="rect">
-                  <a:avLst/>
-                </a:prstGeom>
-              </p:spPr>
-            </p:pic>
-          </mc:Fallback>
-        </mc:AlternateContent>
-        <mc:AlternateContent xmlns:mc="http://schemas.openxmlformats.org/markup-compatibility/2006" xmlns:p14="http://schemas.microsoft.com/office/powerpoint/2010/main">
-          <mc:Choice Requires="p14">
-            <p:contentPart p14:bwMode="auto" r:id="rId28">
-              <p14:nvContentPartPr>
-                <p14:cNvPr id="17" name="Viết tay 16">
-                  <a:extLst>
-                    <a:ext uri="{FF2B5EF4-FFF2-40B4-BE49-F238E27FC236}">
-                      <a16:creationId xmlns:a16="http://schemas.microsoft.com/office/drawing/2014/main" id="{1BAE2973-970A-C77D-C4C4-838498A5AA20}"/>
-                    </a:ext>
-                  </a:extLst>
-                </p14:cNvPr>
-                <p14:cNvContentPartPr/>
-                <p14:nvPr/>
-              </p14:nvContentPartPr>
-              <p14:xfrm>
-                <a:off x="1678132" y="5731522"/>
-                <a:ext cx="247680" cy="360"/>
-              </p14:xfrm>
-            </p:contentPart>
-          </mc:Choice>
-          <mc:Fallback xmlns="">
-            <p:pic>
-              <p:nvPicPr>
-                <p:cNvPr id="17" name="Viết tay 16">
-                  <a:extLst>
-                    <a:ext uri="{FF2B5EF4-FFF2-40B4-BE49-F238E27FC236}">
-                      <a16:creationId xmlns:a16="http://schemas.microsoft.com/office/drawing/2014/main" id="{1BAE2973-970A-C77D-C4C4-838498A5AA20}"/>
-                    </a:ext>
-                  </a:extLst>
-                </p:cNvPr>
-                <p:cNvPicPr/>
-                <p:nvPr/>
-              </p:nvPicPr>
-              <p:blipFill>
-                <a:blip r:embed="rId29"/>
-                <a:stretch>
-                  <a:fillRect/>
-                </a:stretch>
-              </p:blipFill>
-              <p:spPr>
-                <a:xfrm>
-                  <a:off x="1669132" y="5722882"/>
-                  <a:ext cx="265320" cy="18000"/>
-                </a:xfrm>
-                <a:prstGeom prst="rect">
-                  <a:avLst/>
-                </a:prstGeom>
-              </p:spPr>
-            </p:pic>
-          </mc:Fallback>
-        </mc:AlternateContent>
-        <mc:AlternateContent xmlns:mc="http://schemas.openxmlformats.org/markup-compatibility/2006" xmlns:p14="http://schemas.microsoft.com/office/powerpoint/2010/main">
-          <mc:Choice Requires="p14">
-            <p:contentPart p14:bwMode="auto" r:id="rId30">
-              <p14:nvContentPartPr>
-                <p14:cNvPr id="18" name="Viết tay 17">
-                  <a:extLst>
-                    <a:ext uri="{FF2B5EF4-FFF2-40B4-BE49-F238E27FC236}">
-                      <a16:creationId xmlns:a16="http://schemas.microsoft.com/office/drawing/2014/main" id="{39194679-3AA7-979B-A79E-15EDC77A6063}"/>
-                    </a:ext>
-                  </a:extLst>
-                </p14:cNvPr>
-                <p14:cNvContentPartPr/>
-                <p14:nvPr/>
-              </p14:nvContentPartPr>
-              <p14:xfrm>
-                <a:off x="2074132" y="5527762"/>
-                <a:ext cx="479880" cy="406800"/>
-              </p14:xfrm>
-            </p:contentPart>
-          </mc:Choice>
-          <mc:Fallback xmlns="">
-            <p:pic>
-              <p:nvPicPr>
-                <p:cNvPr id="18" name="Viết tay 17">
-                  <a:extLst>
-                    <a:ext uri="{FF2B5EF4-FFF2-40B4-BE49-F238E27FC236}">
-                      <a16:creationId xmlns:a16="http://schemas.microsoft.com/office/drawing/2014/main" id="{39194679-3AA7-979B-A79E-15EDC77A6063}"/>
-                    </a:ext>
-                  </a:extLst>
-                </p:cNvPr>
-                <p:cNvPicPr/>
-                <p:nvPr/>
-              </p:nvPicPr>
-              <p:blipFill>
-                <a:blip r:embed="rId31"/>
-                <a:stretch>
-                  <a:fillRect/>
-                </a:stretch>
-              </p:blipFill>
-              <p:spPr>
-                <a:xfrm>
-                  <a:off x="2065492" y="5519122"/>
-                  <a:ext cx="497520" cy="424440"/>
-                </a:xfrm>
-                <a:prstGeom prst="rect">
-                  <a:avLst/>
-                </a:prstGeom>
-              </p:spPr>
-            </p:pic>
-          </mc:Fallback>
-        </mc:AlternateContent>
-        <mc:AlternateContent xmlns:mc="http://schemas.openxmlformats.org/markup-compatibility/2006" xmlns:p14="http://schemas.microsoft.com/office/powerpoint/2010/main">
-          <mc:Choice Requires="p14">
-            <p:contentPart p14:bwMode="auto" r:id="rId32">
-              <p14:nvContentPartPr>
-                <p14:cNvPr id="19" name="Viết tay 18">
-                  <a:extLst>
-                    <a:ext uri="{FF2B5EF4-FFF2-40B4-BE49-F238E27FC236}">
-                      <a16:creationId xmlns:a16="http://schemas.microsoft.com/office/drawing/2014/main" id="{9C747937-7F8A-BECC-2EC0-4F44C9CF21F3}"/>
-                    </a:ext>
-                  </a:extLst>
-                </p14:cNvPr>
-                <p14:cNvContentPartPr/>
-                <p14:nvPr/>
-              </p14:nvContentPartPr>
-              <p14:xfrm>
-                <a:off x="2524492" y="5226442"/>
-                <a:ext cx="192240" cy="507240"/>
-              </p14:xfrm>
-            </p:contentPart>
-          </mc:Choice>
-          <mc:Fallback xmlns="">
-            <p:pic>
-              <p:nvPicPr>
-                <p:cNvPr id="19" name="Viết tay 18">
-                  <a:extLst>
-                    <a:ext uri="{FF2B5EF4-FFF2-40B4-BE49-F238E27FC236}">
-                      <a16:creationId xmlns:a16="http://schemas.microsoft.com/office/drawing/2014/main" id="{9C747937-7F8A-BECC-2EC0-4F44C9CF21F3}"/>
-                    </a:ext>
-                  </a:extLst>
-                </p:cNvPr>
-                <p:cNvPicPr/>
-                <p:nvPr/>
-              </p:nvPicPr>
-              <p:blipFill>
-                <a:blip r:embed="rId33"/>
-                <a:stretch>
-                  <a:fillRect/>
-                </a:stretch>
-              </p:blipFill>
-              <p:spPr>
-                <a:xfrm>
-                  <a:off x="2515852" y="5217802"/>
-                  <a:ext cx="209880" cy="524880"/>
-                </a:xfrm>
-                <a:prstGeom prst="rect">
-                  <a:avLst/>
-                </a:prstGeom>
-              </p:spPr>
-            </p:pic>
-          </mc:Fallback>
-        </mc:AlternateContent>
-        <mc:AlternateContent xmlns:mc="http://schemas.openxmlformats.org/markup-compatibility/2006" xmlns:p14="http://schemas.microsoft.com/office/powerpoint/2010/main">
-          <mc:Choice Requires="p14">
-            <p:contentPart p14:bwMode="auto" r:id="rId34">
-              <p14:nvContentPartPr>
-                <p14:cNvPr id="20" name="Viết tay 19">
-                  <a:extLst>
-                    <a:ext uri="{FF2B5EF4-FFF2-40B4-BE49-F238E27FC236}">
-                      <a16:creationId xmlns:a16="http://schemas.microsoft.com/office/drawing/2014/main" id="{EE2B0C88-5519-1224-ED4B-079937B4B28B}"/>
-                    </a:ext>
-                  </a:extLst>
-                </p14:cNvPr>
-                <p14:cNvContentPartPr/>
-                <p14:nvPr/>
-              </p14:nvContentPartPr>
-              <p14:xfrm>
-                <a:off x="2743732" y="5400322"/>
-                <a:ext cx="916920" cy="576720"/>
-              </p14:xfrm>
-            </p:contentPart>
-          </mc:Choice>
-          <mc:Fallback xmlns="">
-            <p:pic>
-              <p:nvPicPr>
-                <p:cNvPr id="20" name="Viết tay 19">
-                  <a:extLst>
-                    <a:ext uri="{FF2B5EF4-FFF2-40B4-BE49-F238E27FC236}">
-                      <a16:creationId xmlns:a16="http://schemas.microsoft.com/office/drawing/2014/main" id="{EE2B0C88-5519-1224-ED4B-079937B4B28B}"/>
-                    </a:ext>
-                  </a:extLst>
-                </p:cNvPr>
-                <p:cNvPicPr/>
-                <p:nvPr/>
-              </p:nvPicPr>
-              <p:blipFill>
-                <a:blip r:embed="rId35"/>
-                <a:stretch>
-                  <a:fillRect/>
-                </a:stretch>
-              </p:blipFill>
-              <p:spPr>
-                <a:xfrm>
-                  <a:off x="2735092" y="5391682"/>
-                  <a:ext cx="934560" cy="594360"/>
-                </a:xfrm>
-                <a:prstGeom prst="rect">
-                  <a:avLst/>
-                </a:prstGeom>
-              </p:spPr>
-            </p:pic>
-          </mc:Fallback>
-        </mc:AlternateContent>
-        <mc:AlternateContent xmlns:mc="http://schemas.openxmlformats.org/markup-compatibility/2006" xmlns:p14="http://schemas.microsoft.com/office/powerpoint/2010/main">
-          <mc:Choice Requires="p14">
-            <p:contentPart p14:bwMode="auto" r:id="rId36">
-              <p14:nvContentPartPr>
-                <p14:cNvPr id="24" name="Viết tay 23">
-                  <a:extLst>
-                    <a:ext uri="{FF2B5EF4-FFF2-40B4-BE49-F238E27FC236}">
-                      <a16:creationId xmlns:a16="http://schemas.microsoft.com/office/drawing/2014/main" id="{6300D611-188E-0B7C-AF3A-77D5594566D7}"/>
-                    </a:ext>
-                  </a:extLst>
-                </p14:cNvPr>
-                <p14:cNvContentPartPr/>
-                <p14:nvPr/>
-              </p14:nvContentPartPr>
-              <p14:xfrm>
-                <a:off x="1772452" y="6025282"/>
-                <a:ext cx="2509560" cy="470160"/>
-              </p14:xfrm>
-            </p:contentPart>
-          </mc:Choice>
-          <mc:Fallback xmlns="">
-            <p:pic>
-              <p:nvPicPr>
-                <p:cNvPr id="24" name="Viết tay 23">
-                  <a:extLst>
-                    <a:ext uri="{FF2B5EF4-FFF2-40B4-BE49-F238E27FC236}">
-                      <a16:creationId xmlns:a16="http://schemas.microsoft.com/office/drawing/2014/main" id="{6300D611-188E-0B7C-AF3A-77D5594566D7}"/>
-                    </a:ext>
-                  </a:extLst>
-                </p:cNvPr>
-                <p:cNvPicPr/>
-                <p:nvPr/>
-              </p:nvPicPr>
-              <p:blipFill>
-                <a:blip r:embed="rId37"/>
-                <a:stretch>
-                  <a:fillRect/>
-                </a:stretch>
-              </p:blipFill>
-              <p:spPr>
-                <a:xfrm>
-                  <a:off x="1763452" y="6016642"/>
-                  <a:ext cx="2527200" cy="487800"/>
-                </a:xfrm>
-                <a:prstGeom prst="rect">
-                  <a:avLst/>
-                </a:prstGeom>
-              </p:spPr>
-            </p:pic>
-          </mc:Fallback>
-        </mc:AlternateContent>
-        <mc:AlternateContent xmlns:mc="http://schemas.openxmlformats.org/markup-compatibility/2006" xmlns:p14="http://schemas.microsoft.com/office/powerpoint/2010/main">
-          <mc:Choice Requires="p14">
-            <p:contentPart p14:bwMode="auto" r:id="rId38">
-              <p14:nvContentPartPr>
-                <p14:cNvPr id="26" name="Viết tay 25">
-                  <a:extLst>
-                    <a:ext uri="{FF2B5EF4-FFF2-40B4-BE49-F238E27FC236}">
-                      <a16:creationId xmlns:a16="http://schemas.microsoft.com/office/drawing/2014/main" id="{E9EF3569-9239-B3CC-4E58-5A769E66CB0E}"/>
-                    </a:ext>
-                  </a:extLst>
-                </p14:cNvPr>
-                <p14:cNvContentPartPr/>
-                <p14:nvPr/>
-              </p14:nvContentPartPr>
-              <p14:xfrm>
-                <a:off x="1026532" y="4817122"/>
-                <a:ext cx="406080" cy="1410840"/>
-              </p14:xfrm>
-            </p:contentPart>
-          </mc:Choice>
-          <mc:Fallback xmlns="">
-            <p:pic>
-              <p:nvPicPr>
-                <p:cNvPr id="26" name="Viết tay 25">
-                  <a:extLst>
-                    <a:ext uri="{FF2B5EF4-FFF2-40B4-BE49-F238E27FC236}">
-                      <a16:creationId xmlns:a16="http://schemas.microsoft.com/office/drawing/2014/main" id="{E9EF3569-9239-B3CC-4E58-5A769E66CB0E}"/>
-                    </a:ext>
-                  </a:extLst>
-                </p:cNvPr>
-                <p:cNvPicPr/>
-                <p:nvPr/>
-              </p:nvPicPr>
-              <p:blipFill>
-                <a:blip r:embed="rId39"/>
-                <a:stretch>
-                  <a:fillRect/>
-                </a:stretch>
-              </p:blipFill>
-              <p:spPr>
-                <a:xfrm>
-                  <a:off x="1017532" y="4808122"/>
-                  <a:ext cx="423720" cy="1428480"/>
-                </a:xfrm>
-                <a:prstGeom prst="rect">
-                  <a:avLst/>
-                </a:prstGeom>
-              </p:spPr>
-            </p:pic>
-          </mc:Fallback>
-        </mc:AlternateContent>
-        <mc:AlternateContent xmlns:mc="http://schemas.openxmlformats.org/markup-compatibility/2006" xmlns:p14="http://schemas.microsoft.com/office/powerpoint/2010/main">
-          <mc:Choice Requires="p14">
-            <p:contentPart p14:bwMode="auto" r:id="rId40">
-              <p14:nvContentPartPr>
-                <p14:cNvPr id="27" name="Viết tay 26">
-                  <a:extLst>
-                    <a:ext uri="{FF2B5EF4-FFF2-40B4-BE49-F238E27FC236}">
-                      <a16:creationId xmlns:a16="http://schemas.microsoft.com/office/drawing/2014/main" id="{02FA6E89-2180-B644-C213-E1C5FA981E5D}"/>
-                    </a:ext>
-                  </a:extLst>
-                </p14:cNvPr>
-                <p14:cNvContentPartPr/>
-                <p14:nvPr/>
-              </p14:nvContentPartPr>
-              <p14:xfrm>
-                <a:off x="1091692" y="5554042"/>
-                <a:ext cx="244440" cy="360"/>
-              </p14:xfrm>
-            </p:contentPart>
-          </mc:Choice>
-          <mc:Fallback xmlns="">
-            <p:pic>
-              <p:nvPicPr>
-                <p:cNvPr id="27" name="Viết tay 26">
-                  <a:extLst>
-                    <a:ext uri="{FF2B5EF4-FFF2-40B4-BE49-F238E27FC236}">
-                      <a16:creationId xmlns:a16="http://schemas.microsoft.com/office/drawing/2014/main" id="{02FA6E89-2180-B644-C213-E1C5FA981E5D}"/>
-                    </a:ext>
-                  </a:extLst>
-                </p:cNvPr>
-                <p:cNvPicPr/>
-                <p:nvPr/>
-              </p:nvPicPr>
-              <p:blipFill>
-                <a:blip r:embed="rId41"/>
-                <a:stretch>
-                  <a:fillRect/>
-                </a:stretch>
-              </p:blipFill>
-              <p:spPr>
-                <a:xfrm>
-                  <a:off x="1082692" y="5545402"/>
-                  <a:ext cx="262080" cy="18000"/>
-                </a:xfrm>
-                <a:prstGeom prst="rect">
-                  <a:avLst/>
-                </a:prstGeom>
-              </p:spPr>
-            </p:pic>
-          </mc:Fallback>
-        </mc:AlternateContent>
-      </p:grpSp>
-      <mc:AlternateContent xmlns:mc="http://schemas.openxmlformats.org/markup-compatibility/2006">
-        <mc:Choice xmlns:p14="http://schemas.microsoft.com/office/powerpoint/2010/main" Requires="p14">
-          <p:contentPart p14:bwMode="auto" r:id="rId42">
-            <p14:nvContentPartPr>
-              <p14:cNvPr id="10" name="Viết tay 9">
-                <a:extLst>
-                  <a:ext uri="{FF2B5EF4-FFF2-40B4-BE49-F238E27FC236}">
-                    <a16:creationId xmlns:a16="http://schemas.microsoft.com/office/drawing/2014/main" id="{114F1DDF-B26D-BC1D-4341-DB67CD0D7865}"/>
-                  </a:ext>
-                </a:extLst>
-              </p14:cNvPr>
-              <p14:cNvContentPartPr/>
-              <p14:nvPr/>
-            </p14:nvContentPartPr>
-            <p14:xfrm>
-              <a:off x="843480" y="5386680"/>
-              <a:ext cx="3273480" cy="586080"/>
-            </p14:xfrm>
-          </p:contentPart>
-        </mc:Choice>
-        <mc:Fallback>
-          <p:pic>
-            <p:nvPicPr>
-              <p:cNvPr id="10" name="Viết tay 9">
-                <a:extLst>
-                  <a:ext uri="{FF2B5EF4-FFF2-40B4-BE49-F238E27FC236}">
-                    <a16:creationId xmlns:a16="http://schemas.microsoft.com/office/drawing/2014/main" id="{114F1DDF-B26D-BC1D-4341-DB67CD0D7865}"/>
-                  </a:ext>
-                </a:extLst>
-              </p:cNvPr>
-              <p:cNvPicPr/>
-              <p:nvPr/>
-            </p:nvPicPr>
-            <p:blipFill>
-              <a:blip r:embed="rId43"/>
-              <a:stretch>
-                <a:fillRect/>
-              </a:stretch>
-            </p:blipFill>
-            <p:spPr>
-              <a:xfrm>
-                <a:off x="834120" y="5377320"/>
-                <a:ext cx="3292200" cy="604800"/>
-              </a:xfrm>
-              <a:prstGeom prst="rect">
-                <a:avLst/>
-              </a:prstGeom>
-            </p:spPr>
-          </p:pic>
-        </mc:Fallback>
-      </mc:AlternateContent>
     </p:spTree>
     <p:extLst>
       <p:ext uri="{BB962C8B-B14F-4D97-AF65-F5344CB8AC3E}">
